--- a/PPT/Python07-ComplexTypes.pptx
+++ b/PPT/Python07-ComplexTypes.pptx
@@ -625,35 +625,35 @@
           <a:p>
             <a:pPr lvl="0"/>
             <a:r>
-              <a:rPr lang="fr-FR" noProof="0" smtClean="0"/>
+              <a:rPr lang="fr-FR" noProof="0"/>
               <a:t>Cliquez pour modifier les styles du texte du masque</a:t>
             </a:r>
           </a:p>
           <a:p>
             <a:pPr lvl="1"/>
             <a:r>
-              <a:rPr lang="fr-FR" noProof="0" smtClean="0"/>
+              <a:rPr lang="fr-FR" noProof="0"/>
               <a:t>Deuxième niveau</a:t>
             </a:r>
           </a:p>
           <a:p>
             <a:pPr lvl="2"/>
             <a:r>
-              <a:rPr lang="fr-FR" noProof="0" smtClean="0"/>
+              <a:rPr lang="fr-FR" noProof="0"/>
               <a:t>Troisième niveau</a:t>
             </a:r>
           </a:p>
           <a:p>
             <a:pPr lvl="3"/>
             <a:r>
-              <a:rPr lang="fr-FR" noProof="0" smtClean="0"/>
+              <a:rPr lang="fr-FR" noProof="0"/>
               <a:t>Quatrième niveau</a:t>
             </a:r>
           </a:p>
           <a:p>
             <a:pPr lvl="4"/>
             <a:r>
-              <a:rPr lang="fr-FR" noProof="0" smtClean="0"/>
+              <a:rPr lang="fr-FR" noProof="0"/>
               <a:t>Cinquième niveau</a:t>
             </a:r>
           </a:p>
@@ -941,10 +941,9 @@
           <a:lstStyle/>
           <a:p>
             <a:r>
-              <a:rPr lang="fr-FR" smtClean="0"/>
+              <a:rPr lang="fr-FR"/>
               <a:t>Cliquez pour modifier le style du titre</a:t>
             </a:r>
-            <a:endParaRPr lang="fr-FR"/>
           </a:p>
         </p:txBody>
       </p:sp>
@@ -1006,10 +1005,9 @@
           </a:lstStyle>
           <a:p>
             <a:r>
-              <a:rPr lang="fr-FR" smtClean="0"/>
+              <a:rPr lang="fr-FR"/>
               <a:t>Cliquez pour modifier le style des sous-titres du masque</a:t>
             </a:r>
-            <a:endParaRPr lang="fr-FR"/>
           </a:p>
         </p:txBody>
       </p:sp>
@@ -1064,10 +1062,9 @@
           <a:lstStyle/>
           <a:p>
             <a:r>
-              <a:rPr lang="fr-FR" smtClean="0"/>
+              <a:rPr lang="fr-FR"/>
               <a:t>Cliquez pour modifier le style du titre</a:t>
             </a:r>
-            <a:endParaRPr lang="fr-FR"/>
           </a:p>
         </p:txBody>
       </p:sp>
@@ -1093,38 +1090,37 @@
           <a:p>
             <a:pPr lvl="0"/>
             <a:r>
-              <a:rPr lang="fr-FR" smtClean="0"/>
+              <a:rPr lang="fr-FR"/>
               <a:t>Cliquez pour modifier les styles du texte du masque</a:t>
             </a:r>
           </a:p>
           <a:p>
             <a:pPr lvl="1"/>
             <a:r>
-              <a:rPr lang="fr-FR" smtClean="0"/>
+              <a:rPr lang="fr-FR"/>
               <a:t>Deuxième niveau</a:t>
             </a:r>
           </a:p>
           <a:p>
             <a:pPr lvl="2"/>
             <a:r>
-              <a:rPr lang="fr-FR" smtClean="0"/>
+              <a:rPr lang="fr-FR"/>
               <a:t>Troisième niveau</a:t>
             </a:r>
           </a:p>
           <a:p>
             <a:pPr lvl="3"/>
             <a:r>
-              <a:rPr lang="fr-FR" smtClean="0"/>
+              <a:rPr lang="fr-FR"/>
               <a:t>Quatrième niveau</a:t>
             </a:r>
           </a:p>
           <a:p>
             <a:pPr lvl="4"/>
             <a:r>
-              <a:rPr lang="fr-FR" smtClean="0"/>
+              <a:rPr lang="fr-FR"/>
               <a:t>Cinquième niveau</a:t>
             </a:r>
-            <a:endParaRPr lang="fr-FR"/>
           </a:p>
         </p:txBody>
       </p:sp>
@@ -1183,10 +1179,9 @@
           </a:lstStyle>
           <a:p>
             <a:r>
-              <a:rPr lang="fr-FR" dirty="0" smtClean="0"/>
+              <a:rPr lang="fr-FR" dirty="0"/>
               <a:t>Cliquez pour modifier le style du titre</a:t>
             </a:r>
-            <a:endParaRPr lang="fr-FR" dirty="0"/>
           </a:p>
         </p:txBody>
       </p:sp>
@@ -1212,38 +1207,37 @@
           <a:p>
             <a:pPr lvl="0"/>
             <a:r>
-              <a:rPr lang="fr-FR" dirty="0" smtClean="0"/>
+              <a:rPr lang="fr-FR" dirty="0"/>
               <a:t>Cliquez pour modifier les styles du texte du masque</a:t>
             </a:r>
           </a:p>
           <a:p>
             <a:pPr lvl="1"/>
             <a:r>
-              <a:rPr lang="fr-FR" dirty="0" smtClean="0"/>
+              <a:rPr lang="fr-FR" dirty="0"/>
               <a:t>Deuxième niveau</a:t>
             </a:r>
           </a:p>
           <a:p>
             <a:pPr lvl="2"/>
             <a:r>
-              <a:rPr lang="fr-FR" dirty="0" smtClean="0"/>
+              <a:rPr lang="fr-FR" dirty="0"/>
               <a:t>Troisième niveau</a:t>
             </a:r>
           </a:p>
           <a:p>
             <a:pPr lvl="3"/>
             <a:r>
-              <a:rPr lang="fr-FR" dirty="0" smtClean="0"/>
+              <a:rPr lang="fr-FR" dirty="0"/>
               <a:t>Quatrième niveau</a:t>
             </a:r>
           </a:p>
           <a:p>
             <a:pPr lvl="4"/>
             <a:r>
-              <a:rPr lang="fr-FR" dirty="0" smtClean="0"/>
+              <a:rPr lang="fr-FR" dirty="0"/>
               <a:t>Cinquième niveau</a:t>
             </a:r>
-            <a:endParaRPr lang="fr-FR" dirty="0"/>
           </a:p>
         </p:txBody>
       </p:sp>
@@ -1293,10 +1287,9 @@
           <a:lstStyle/>
           <a:p>
             <a:r>
-              <a:rPr lang="fr-FR" smtClean="0"/>
+              <a:rPr lang="fr-FR"/>
               <a:t>Cliquez pour modifier le style du titre</a:t>
             </a:r>
-            <a:endParaRPr lang="fr-FR"/>
           </a:p>
         </p:txBody>
       </p:sp>
@@ -1350,38 +1343,37 @@
           <a:p>
             <a:pPr lvl="0"/>
             <a:r>
-              <a:rPr lang="fr-FR" smtClean="0"/>
+              <a:rPr lang="fr-FR"/>
               <a:t>Cliquez pour modifier les styles du texte du masque</a:t>
             </a:r>
           </a:p>
           <a:p>
             <a:pPr lvl="1"/>
             <a:r>
-              <a:rPr lang="fr-FR" smtClean="0"/>
+              <a:rPr lang="fr-FR"/>
               <a:t>Deuxième niveau</a:t>
             </a:r>
           </a:p>
           <a:p>
             <a:pPr lvl="2"/>
             <a:r>
-              <a:rPr lang="fr-FR" smtClean="0"/>
+              <a:rPr lang="fr-FR"/>
               <a:t>Troisième niveau</a:t>
             </a:r>
           </a:p>
           <a:p>
             <a:pPr lvl="3"/>
             <a:r>
-              <a:rPr lang="fr-FR" smtClean="0"/>
+              <a:rPr lang="fr-FR"/>
               <a:t>Quatrième niveau</a:t>
             </a:r>
           </a:p>
           <a:p>
             <a:pPr lvl="4"/>
             <a:r>
-              <a:rPr lang="fr-FR" smtClean="0"/>
+              <a:rPr lang="fr-FR"/>
               <a:t>Cinquième niveau</a:t>
             </a:r>
-            <a:endParaRPr lang="fr-FR"/>
           </a:p>
         </p:txBody>
       </p:sp>
@@ -1435,38 +1427,37 @@
           <a:p>
             <a:pPr lvl="0"/>
             <a:r>
-              <a:rPr lang="fr-FR" smtClean="0"/>
+              <a:rPr lang="fr-FR"/>
               <a:t>Cliquez pour modifier les styles du texte du masque</a:t>
             </a:r>
           </a:p>
           <a:p>
             <a:pPr lvl="1"/>
             <a:r>
-              <a:rPr lang="fr-FR" smtClean="0"/>
+              <a:rPr lang="fr-FR"/>
               <a:t>Deuxième niveau</a:t>
             </a:r>
           </a:p>
           <a:p>
             <a:pPr lvl="2"/>
             <a:r>
-              <a:rPr lang="fr-FR" smtClean="0"/>
+              <a:rPr lang="fr-FR"/>
               <a:t>Troisième niveau</a:t>
             </a:r>
           </a:p>
           <a:p>
             <a:pPr lvl="3"/>
             <a:r>
-              <a:rPr lang="fr-FR" smtClean="0"/>
+              <a:rPr lang="fr-FR"/>
               <a:t>Quatrième niveau</a:t>
             </a:r>
           </a:p>
           <a:p>
             <a:pPr lvl="4"/>
             <a:r>
-              <a:rPr lang="fr-FR" smtClean="0"/>
+              <a:rPr lang="fr-FR"/>
               <a:t>Cinquième niveau</a:t>
             </a:r>
-            <a:endParaRPr lang="fr-FR"/>
           </a:p>
         </p:txBody>
       </p:sp>
@@ -1525,10 +1516,9 @@
           </a:lstStyle>
           <a:p>
             <a:r>
-              <a:rPr lang="fr-FR" smtClean="0"/>
+              <a:rPr lang="fr-FR"/>
               <a:t>Cliquez pour modifier le style du titre</a:t>
             </a:r>
-            <a:endParaRPr lang="fr-FR"/>
           </a:p>
         </p:txBody>
       </p:sp>
@@ -1591,7 +1581,7 @@
           <a:p>
             <a:pPr lvl="0"/>
             <a:r>
-              <a:rPr lang="fr-FR" smtClean="0"/>
+              <a:rPr lang="fr-FR"/>
               <a:t>Cliquez pour modifier les styles du texte du masque</a:t>
             </a:r>
           </a:p>
@@ -1647,38 +1637,37 @@
           <a:p>
             <a:pPr lvl="0"/>
             <a:r>
-              <a:rPr lang="fr-FR" smtClean="0"/>
+              <a:rPr lang="fr-FR"/>
               <a:t>Cliquez pour modifier les styles du texte du masque</a:t>
             </a:r>
           </a:p>
           <a:p>
             <a:pPr lvl="1"/>
             <a:r>
-              <a:rPr lang="fr-FR" smtClean="0"/>
+              <a:rPr lang="fr-FR"/>
               <a:t>Deuxième niveau</a:t>
             </a:r>
           </a:p>
           <a:p>
             <a:pPr lvl="2"/>
             <a:r>
-              <a:rPr lang="fr-FR" smtClean="0"/>
+              <a:rPr lang="fr-FR"/>
               <a:t>Troisième niveau</a:t>
             </a:r>
           </a:p>
           <a:p>
             <a:pPr lvl="3"/>
             <a:r>
-              <a:rPr lang="fr-FR" smtClean="0"/>
+              <a:rPr lang="fr-FR"/>
               <a:t>Quatrième niveau</a:t>
             </a:r>
           </a:p>
           <a:p>
             <a:pPr lvl="4"/>
             <a:r>
-              <a:rPr lang="fr-FR" smtClean="0"/>
+              <a:rPr lang="fr-FR"/>
               <a:t>Cinquième niveau</a:t>
             </a:r>
-            <a:endParaRPr lang="fr-FR"/>
           </a:p>
         </p:txBody>
       </p:sp>
@@ -1741,7 +1730,7 @@
           <a:p>
             <a:pPr lvl="0"/>
             <a:r>
-              <a:rPr lang="fr-FR" smtClean="0"/>
+              <a:rPr lang="fr-FR"/>
               <a:t>Cliquez pour modifier les styles du texte du masque</a:t>
             </a:r>
           </a:p>
@@ -1797,38 +1786,37 @@
           <a:p>
             <a:pPr lvl="0"/>
             <a:r>
-              <a:rPr lang="fr-FR" smtClean="0"/>
+              <a:rPr lang="fr-FR"/>
               <a:t>Cliquez pour modifier les styles du texte du masque</a:t>
             </a:r>
           </a:p>
           <a:p>
             <a:pPr lvl="1"/>
             <a:r>
-              <a:rPr lang="fr-FR" smtClean="0"/>
+              <a:rPr lang="fr-FR"/>
               <a:t>Deuxième niveau</a:t>
             </a:r>
           </a:p>
           <a:p>
             <a:pPr lvl="2"/>
             <a:r>
-              <a:rPr lang="fr-FR" smtClean="0"/>
+              <a:rPr lang="fr-FR"/>
               <a:t>Troisième niveau</a:t>
             </a:r>
           </a:p>
           <a:p>
             <a:pPr lvl="3"/>
             <a:r>
-              <a:rPr lang="fr-FR" smtClean="0"/>
+              <a:rPr lang="fr-FR"/>
               <a:t>Quatrième niveau</a:t>
             </a:r>
           </a:p>
           <a:p>
             <a:pPr lvl="4"/>
             <a:r>
-              <a:rPr lang="fr-FR" smtClean="0"/>
+              <a:rPr lang="fr-FR"/>
               <a:t>Cinquième niveau</a:t>
             </a:r>
-            <a:endParaRPr lang="fr-FR"/>
           </a:p>
         </p:txBody>
       </p:sp>
@@ -1878,10 +1866,9 @@
           <a:lstStyle/>
           <a:p>
             <a:r>
-              <a:rPr lang="fr-FR" smtClean="0"/>
+              <a:rPr lang="fr-FR"/>
               <a:t>Cliquez pour modifier le style du titre</a:t>
             </a:r>
-            <a:endParaRPr lang="fr-FR"/>
           </a:p>
         </p:txBody>
       </p:sp>
@@ -1970,10 +1957,9 @@
           </a:lstStyle>
           <a:p>
             <a:r>
-              <a:rPr lang="fr-FR" smtClean="0"/>
+              <a:rPr lang="fr-FR"/>
               <a:t>Cliquez pour modifier le style du titre</a:t>
             </a:r>
-            <a:endParaRPr lang="fr-FR"/>
           </a:p>
         </p:txBody>
       </p:sp>
@@ -2027,38 +2013,37 @@
           <a:p>
             <a:pPr lvl="0"/>
             <a:r>
-              <a:rPr lang="fr-FR" smtClean="0"/>
+              <a:rPr lang="fr-FR"/>
               <a:t>Cliquez pour modifier les styles du texte du masque</a:t>
             </a:r>
           </a:p>
           <a:p>
             <a:pPr lvl="1"/>
             <a:r>
-              <a:rPr lang="fr-FR" smtClean="0"/>
+              <a:rPr lang="fr-FR"/>
               <a:t>Deuxième niveau</a:t>
             </a:r>
           </a:p>
           <a:p>
             <a:pPr lvl="2"/>
             <a:r>
-              <a:rPr lang="fr-FR" smtClean="0"/>
+              <a:rPr lang="fr-FR"/>
               <a:t>Troisième niveau</a:t>
             </a:r>
           </a:p>
           <a:p>
             <a:pPr lvl="3"/>
             <a:r>
-              <a:rPr lang="fr-FR" smtClean="0"/>
+              <a:rPr lang="fr-FR"/>
               <a:t>Quatrième niveau</a:t>
             </a:r>
           </a:p>
           <a:p>
             <a:pPr lvl="4"/>
             <a:r>
-              <a:rPr lang="fr-FR" smtClean="0"/>
+              <a:rPr lang="fr-FR"/>
               <a:t>Cinquième niveau</a:t>
             </a:r>
-            <a:endParaRPr lang="fr-FR"/>
           </a:p>
         </p:txBody>
       </p:sp>
@@ -2121,7 +2106,7 @@
           <a:p>
             <a:pPr lvl="0"/>
             <a:r>
-              <a:rPr lang="fr-FR" smtClean="0"/>
+              <a:rPr lang="fr-FR"/>
               <a:t>Cliquez pour modifier les styles du texte du masque</a:t>
             </a:r>
           </a:p>
@@ -2182,10 +2167,9 @@
           </a:lstStyle>
           <a:p>
             <a:r>
-              <a:rPr lang="fr-FR" smtClean="0"/>
+              <a:rPr lang="fr-FR"/>
               <a:t>Cliquez pour modifier le style du titre</a:t>
             </a:r>
-            <a:endParaRPr lang="fr-FR"/>
           </a:p>
         </p:txBody>
       </p:sp>
@@ -2247,7 +2231,7 @@
           </a:lstStyle>
           <a:p>
             <a:pPr lvl="0"/>
-            <a:endParaRPr lang="fr-FR" noProof="0" smtClean="0"/>
+            <a:endParaRPr lang="fr-FR" noProof="0"/>
           </a:p>
         </p:txBody>
       </p:sp>
@@ -2310,7 +2294,7 @@
           <a:p>
             <a:pPr lvl="0"/>
             <a:r>
-              <a:rPr lang="fr-FR" smtClean="0"/>
+              <a:rPr lang="fr-FR"/>
               <a:t>Cliquez pour modifier les styles du texte du masque</a:t>
             </a:r>
           </a:p>
@@ -2362,10 +2346,9 @@
           <a:lstStyle/>
           <a:p>
             <a:r>
-              <a:rPr lang="fr-FR" smtClean="0"/>
+              <a:rPr lang="fr-FR"/>
               <a:t>Cliquez pour modifier le style du titre</a:t>
             </a:r>
-            <a:endParaRPr lang="fr-FR"/>
           </a:p>
         </p:txBody>
       </p:sp>
@@ -2386,38 +2369,37 @@
           <a:p>
             <a:pPr lvl="0"/>
             <a:r>
-              <a:rPr lang="fr-FR" smtClean="0"/>
+              <a:rPr lang="fr-FR"/>
               <a:t>Cliquez pour modifier les styles du texte du masque</a:t>
             </a:r>
           </a:p>
           <a:p>
             <a:pPr lvl="1"/>
             <a:r>
-              <a:rPr lang="fr-FR" smtClean="0"/>
+              <a:rPr lang="fr-FR"/>
               <a:t>Deuxième niveau</a:t>
             </a:r>
           </a:p>
           <a:p>
             <a:pPr lvl="2"/>
             <a:r>
-              <a:rPr lang="fr-FR" smtClean="0"/>
+              <a:rPr lang="fr-FR"/>
               <a:t>Troisième niveau</a:t>
             </a:r>
           </a:p>
           <a:p>
             <a:pPr lvl="3"/>
             <a:r>
-              <a:rPr lang="fr-FR" smtClean="0"/>
+              <a:rPr lang="fr-FR"/>
               <a:t>Quatrième niveau</a:t>
             </a:r>
           </a:p>
           <a:p>
             <a:pPr lvl="4"/>
             <a:r>
-              <a:rPr lang="fr-FR" smtClean="0"/>
+              <a:rPr lang="fr-FR"/>
               <a:t>Cinquième niveau</a:t>
             </a:r>
-            <a:endParaRPr lang="fr-FR"/>
           </a:p>
         </p:txBody>
       </p:sp>
@@ -2598,7 +2580,7 @@
             <a:pPr eaLnBrk="1" hangingPunct="1">
               <a:defRPr/>
             </a:pPr>
-            <a:endParaRPr lang="fr-FR" altLang="fr-FR" smtClean="0"/>
+            <a:endParaRPr lang="fr-FR" altLang="fr-FR"/>
           </a:p>
         </p:txBody>
       </p:sp>
@@ -2752,7 +2734,7 @@
               <a:defRPr/>
             </a:pPr>
             <a:r>
-              <a:rPr lang="fr-FR" sz="1200" dirty="0" smtClean="0"/>
+              <a:rPr lang="fr-FR" sz="1200" dirty="0"/>
               <a:t>Page </a:t>
             </a:r>
             <a:fld id="{E218E9B1-FD08-4C80-902E-210BA2967D0D}" type="slidenum">
@@ -2765,7 +2747,7 @@
               </a:pPr>
               <a:t>‹N°›</a:t>
             </a:fld>
-            <a:endParaRPr lang="fr-FR" dirty="0" smtClean="0">
+            <a:endParaRPr lang="fr-FR" dirty="0">
               <a:latin typeface="Times New Roman" pitchFamily="18" charset="0"/>
             </a:endParaRPr>
           </a:p>
@@ -2921,10 +2903,10 @@
               <a:defRPr/>
             </a:pPr>
             <a:r>
-              <a:rPr lang="fr-FR" sz="1600" dirty="0" smtClean="0"/>
+              <a:rPr lang="fr-FR" sz="1600" dirty="0"/>
               <a:t>Python</a:t>
             </a:r>
-            <a:endParaRPr lang="fr-FR" dirty="0" smtClean="0">
+            <a:endParaRPr lang="fr-FR" dirty="0">
               <a:latin typeface="Times New Roman" pitchFamily="18" charset="0"/>
             </a:endParaRPr>
           </a:p>
@@ -2982,7 +2964,7 @@
           <a:p>
             <a:pPr lvl="0"/>
             <a:r>
-              <a:rPr lang="fr-FR" altLang="fr-FR" smtClean="0"/>
+              <a:rPr lang="fr-FR" altLang="fr-FR"/>
               <a:t>Cliquez pour modifier le style du titre du masque</a:t>
             </a:r>
           </a:p>
@@ -3040,35 +3022,35 @@
           <a:p>
             <a:pPr lvl="0"/>
             <a:r>
-              <a:rPr lang="fr-FR" altLang="fr-FR" smtClean="0"/>
+              <a:rPr lang="fr-FR" altLang="fr-FR"/>
               <a:t>Cliquez pour modifier les styles du texte du masque</a:t>
             </a:r>
           </a:p>
           <a:p>
             <a:pPr lvl="1"/>
             <a:r>
-              <a:rPr lang="fr-FR" altLang="fr-FR" smtClean="0"/>
+              <a:rPr lang="fr-FR" altLang="fr-FR"/>
               <a:t>Deuxième niveau</a:t>
             </a:r>
           </a:p>
           <a:p>
             <a:pPr lvl="2"/>
             <a:r>
-              <a:rPr lang="fr-FR" altLang="fr-FR" smtClean="0"/>
+              <a:rPr lang="fr-FR" altLang="fr-FR"/>
               <a:t>Troisième niveau</a:t>
             </a:r>
           </a:p>
           <a:p>
             <a:pPr lvl="3"/>
             <a:r>
-              <a:rPr lang="fr-FR" altLang="fr-FR" smtClean="0"/>
+              <a:rPr lang="fr-FR" altLang="fr-FR"/>
               <a:t>Quatrième niveau</a:t>
             </a:r>
           </a:p>
           <a:p>
             <a:pPr lvl="4"/>
             <a:r>
-              <a:rPr lang="fr-FR" altLang="fr-FR" smtClean="0"/>
+              <a:rPr lang="fr-FR" altLang="fr-FR"/>
               <a:t>Cinquième niveau</a:t>
             </a:r>
           </a:p>
@@ -3224,10 +3206,10 @@
               <a:defRPr/>
             </a:pPr>
             <a:r>
-              <a:rPr lang="fr-FR" sz="1200" smtClean="0"/>
+              <a:rPr lang="fr-FR" sz="1200"/>
               <a:t>© Cyril Vincent Conseil</a:t>
             </a:r>
-            <a:endParaRPr lang="fr-FR" smtClean="0">
+            <a:endParaRPr lang="fr-FR">
               <a:latin typeface="Times New Roman" pitchFamily="18" charset="0"/>
             </a:endParaRPr>
           </a:p>
@@ -3709,14 +3691,14 @@
           <a:p>
             <a:pPr eaLnBrk="1" hangingPunct="1"/>
             <a:r>
-              <a:rPr lang="fr-FR" altLang="fr-FR" dirty="0" smtClean="0"/>
+              <a:rPr lang="fr-FR" altLang="fr-FR" dirty="0"/>
               <a:t>Chapitre 7</a:t>
             </a:r>
           </a:p>
           <a:p>
             <a:pPr eaLnBrk="1" hangingPunct="1"/>
             <a:r>
-              <a:rPr lang="fr-FR" altLang="fr-FR" dirty="0" smtClean="0"/>
+              <a:rPr lang="fr-FR" altLang="fr-FR" dirty="0"/>
               <a:t>Types complexes</a:t>
             </a:r>
           </a:p>
@@ -3768,13 +3750,6 @@
   <p:clrMapOvr>
     <a:masterClrMapping/>
   </p:clrMapOvr>
-  <p:timing>
-    <p:tnLst>
-      <p:par>
-        <p:cTn id="1" dur="indefinite" restart="never" nodeType="tmRoot"/>
-      </p:par>
-    </p:tnLst>
-  </p:timing>
 </p:sld>
 </file>
 
@@ -3811,7 +3786,7 @@
           <a:lstStyle/>
           <a:p>
             <a:r>
-              <a:rPr lang="fr-FR" dirty="0" err="1" smtClean="0"/>
+              <a:rPr lang="fr-FR" dirty="0" err="1"/>
               <a:t>Map</a:t>
             </a:r>
             <a:endParaRPr lang="fr-FR" dirty="0"/>
@@ -3834,19 +3809,15 @@
           <a:lstStyle/>
           <a:p>
             <a:r>
-              <a:rPr lang="fr-FR" dirty="0" smtClean="0"/>
+              <a:rPr lang="fr-FR" dirty="0"/>
               <a:t>Permet d’appliquer une fonction à une liste</a:t>
             </a:r>
           </a:p>
           <a:p>
             <a:pPr lvl="1"/>
             <a:r>
-              <a:rPr lang="en-US" dirty="0" smtClean="0"/>
-              <a:t>l= </a:t>
-            </a:r>
-            <a:r>
               <a:rPr lang="en-US" dirty="0"/>
-              <a:t>["It's over 9000 !", "All your base are belong to us."]</a:t>
+              <a:t>l= ["It's over 9000 !", "All your base are belong to us."]</a:t>
             </a:r>
           </a:p>
           <a:p>
@@ -3861,13 +3832,9 @@
             </a:r>
             <a:r>
               <a:rPr lang="en-US" dirty="0"/>
-              <a:t>, </a:t>
-            </a:r>
-            <a:r>
-              <a:rPr lang="en-US" dirty="0" smtClean="0"/>
-              <a:t>l))</a:t>
-            </a:r>
-            <a:endParaRPr lang="fr-FR" dirty="0" smtClean="0"/>
+              <a:t>, l))</a:t>
+            </a:r>
+            <a:endParaRPr lang="fr-FR" dirty="0"/>
           </a:p>
           <a:p>
             <a:endParaRPr lang="fr-FR" dirty="0"/>
@@ -3920,14 +3887,9 @@
           <a:lstStyle/>
           <a:p>
             <a:r>
-              <a:rPr lang="fr-FR" dirty="0" smtClean="0"/>
-              <a:t>Les listes en </a:t>
-            </a:r>
-            <a:r>
-              <a:rPr lang="fr-FR" dirty="0" smtClean="0"/>
-              <a:t>intention</a:t>
-            </a:r>
-            <a:endParaRPr lang="fr-FR" dirty="0"/>
+              <a:rPr lang="fr-FR" dirty="0"/>
+              <a:t>Les listes en intention</a:t>
+            </a:r>
           </a:p>
         </p:txBody>
       </p:sp>
@@ -3947,13 +3909,9 @@
           <a:lstStyle/>
           <a:p>
             <a:r>
-              <a:rPr lang="fr-FR" dirty="0" smtClean="0"/>
+              <a:rPr lang="fr-FR" dirty="0"/>
               <a:t>Une boucle classique </a:t>
             </a:r>
-          </a:p>
-          <a:p>
-            <a:pPr lvl="2"/>
-            <a:endParaRPr lang="fr-FR" dirty="0" smtClean="0"/>
           </a:p>
           <a:p>
             <a:pPr lvl="2"/>
@@ -3961,54 +3919,53 @@
           </a:p>
           <a:p>
             <a:pPr lvl="2"/>
-            <a:endParaRPr lang="fr-FR" dirty="0" smtClean="0"/>
-          </a:p>
-          <a:p>
-            <a:r>
-              <a:rPr lang="fr-FR" dirty="0" smtClean="0"/>
-              <a:t>Peut se réécrire en liste en </a:t>
-            </a:r>
-            <a:r>
-              <a:rPr lang="fr-FR" dirty="0" smtClean="0"/>
-              <a:t>intention</a:t>
-            </a:r>
-            <a:endParaRPr lang="fr-FR" dirty="0" smtClean="0"/>
-          </a:p>
-          <a:p>
             <a:endParaRPr lang="fr-FR" dirty="0"/>
           </a:p>
           <a:p>
-            <a:endParaRPr lang="fr-FR" dirty="0" smtClean="0"/>
+            <a:pPr lvl="2"/>
+            <a:endParaRPr lang="fr-FR" dirty="0"/>
+          </a:p>
+          <a:p>
+            <a:r>
+              <a:rPr lang="fr-FR" dirty="0"/>
+              <a:t>Peut se réécrire en liste en intention</a:t>
+            </a:r>
+          </a:p>
+          <a:p>
+            <a:endParaRPr lang="fr-FR" dirty="0"/>
+          </a:p>
+          <a:p>
+            <a:endParaRPr lang="fr-FR" dirty="0"/>
           </a:p>
           <a:p>
             <a:pPr lvl="1"/>
             <a:r>
-              <a:rPr lang="fr-FR" dirty="0" smtClean="0"/>
+              <a:rPr lang="fr-FR" dirty="0"/>
               <a:t>Combinable avec </a:t>
             </a:r>
             <a:r>
-              <a:rPr lang="fr-FR" dirty="0" err="1" smtClean="0"/>
+              <a:rPr lang="fr-FR" dirty="0" err="1"/>
               <a:t>filter</a:t>
             </a:r>
-            <a:endParaRPr lang="fr-FR" dirty="0" smtClean="0"/>
-          </a:p>
-          <a:p>
-            <a:r>
-              <a:rPr lang="fr-FR" dirty="0" smtClean="0"/>
+            <a:endParaRPr lang="fr-FR" dirty="0"/>
+          </a:p>
+          <a:p>
+            <a:r>
+              <a:rPr lang="fr-FR" dirty="0"/>
               <a:t>Permet d’effectuer une opération directement sur une liste</a:t>
             </a:r>
           </a:p>
           <a:p>
             <a:pPr lvl="1"/>
             <a:r>
-              <a:rPr lang="fr-FR" dirty="0" smtClean="0"/>
+              <a:rPr lang="fr-FR" dirty="0"/>
               <a:t>Utilisation d’un </a:t>
             </a:r>
             <a:r>
-              <a:rPr lang="fr-FR" dirty="0" err="1" smtClean="0"/>
+              <a:rPr lang="fr-FR" dirty="0" err="1"/>
               <a:t>map</a:t>
             </a:r>
-            <a:endParaRPr lang="fr-FR" dirty="0" smtClean="0"/>
+            <a:endParaRPr lang="fr-FR" dirty="0"/>
           </a:p>
         </p:txBody>
       </p:sp>
@@ -4070,13 +4027,6 @@
   <p:clrMapOvr>
     <a:masterClrMapping/>
   </p:clrMapOvr>
-  <p:timing>
-    <p:tnLst>
-      <p:par>
-        <p:cTn id="1" dur="indefinite" restart="never" nodeType="tmRoot"/>
-      </p:par>
-    </p:tnLst>
-  </p:timing>
 </p:sld>
 </file>
 
@@ -4113,10 +4063,9 @@
           <a:lstStyle/>
           <a:p>
             <a:r>
-              <a:rPr lang="fr-FR" dirty="0" smtClean="0"/>
+              <a:rPr lang="fr-FR" dirty="0"/>
               <a:t>Liste en intention et filtre</a:t>
             </a:r>
-            <a:endParaRPr lang="fr-FR" dirty="0"/>
           </a:p>
         </p:txBody>
       </p:sp>
@@ -4136,33 +4085,25 @@
           <a:lstStyle/>
           <a:p>
             <a:r>
-              <a:rPr lang="en-US" dirty="0" smtClean="0"/>
-              <a:t>[function(item</a:t>
-            </a:r>
-            <a:r>
               <a:rPr lang="en-US" dirty="0"/>
-              <a:t>) for item in list if condition(item</a:t>
-            </a:r>
-            <a:r>
-              <a:rPr lang="en-US" dirty="0" smtClean="0"/>
-              <a:t>)]</a:t>
-            </a:r>
-          </a:p>
-          <a:p>
-            <a:r>
-              <a:rPr lang="en-US" dirty="0" err="1" smtClean="0"/>
+              <a:t>[function(item) for item in list if condition(item)]</a:t>
+            </a:r>
+          </a:p>
+          <a:p>
+            <a:r>
+              <a:rPr lang="en-US" dirty="0" err="1"/>
               <a:t>Remplace</a:t>
             </a:r>
             <a:r>
-              <a:rPr lang="en-US" dirty="0" smtClean="0"/>
+              <a:rPr lang="en-US" dirty="0"/>
               <a:t> un </a:t>
             </a:r>
             <a:r>
-              <a:rPr lang="en-US" dirty="0" err="1" smtClean="0"/>
+              <a:rPr lang="en-US" dirty="0" err="1"/>
               <a:t>filtre</a:t>
             </a:r>
             <a:r>
-              <a:rPr lang="en-US" dirty="0" smtClean="0"/>
+              <a:rPr lang="en-US" dirty="0"/>
               <a:t> et un map</a:t>
             </a:r>
           </a:p>
@@ -5676,7 +5617,7 @@
           <a:p>
             <a:pPr algn="l"/>
             <a:r>
-              <a:rPr lang="en-US" altLang="fr-FR"/>
+              <a:rPr lang="en-US" altLang="fr-FR" dirty="0"/>
               <a:t>a = a+1</a:t>
             </a:r>
           </a:p>
@@ -6395,14 +6336,14 @@
           <a:p>
             <a:pPr eaLnBrk="1" hangingPunct="1"/>
             <a:r>
-              <a:rPr lang="en-US" altLang="fr-FR" dirty="0" smtClean="0"/>
+              <a:rPr lang="en-US" altLang="fr-FR" dirty="0"/>
               <a:t>Les types </a:t>
             </a:r>
             <a:r>
-              <a:rPr lang="en-US" altLang="fr-FR" dirty="0" err="1" smtClean="0"/>
+              <a:rPr lang="en-US" altLang="fr-FR" dirty="0" err="1"/>
               <a:t>valeurs</a:t>
             </a:r>
-            <a:endParaRPr lang="en-US" altLang="fr-FR" dirty="0" smtClean="0"/>
+            <a:endParaRPr lang="en-US" altLang="fr-FR" dirty="0"/>
           </a:p>
         </p:txBody>
       </p:sp>
@@ -6569,13 +6510,6 @@
   <p:clrMapOvr>
     <a:masterClrMapping/>
   </p:clrMapOvr>
-  <p:timing>
-    <p:tnLst>
-      <p:par>
-        <p:cTn id="1" dur="indefinite" restart="never" nodeType="tmRoot"/>
-      </p:par>
-    </p:tnLst>
-  </p:timing>
 </p:sld>
 </file>
 
@@ -9879,14 +9813,14 @@
           <a:p>
             <a:pPr eaLnBrk="1" hangingPunct="1"/>
             <a:r>
-              <a:rPr lang="en-US" altLang="fr-FR" dirty="0" smtClean="0"/>
+              <a:rPr lang="en-US" altLang="fr-FR" dirty="0"/>
               <a:t>Les types </a:t>
             </a:r>
             <a:r>
-              <a:rPr lang="en-US" altLang="fr-FR" dirty="0" err="1" smtClean="0"/>
+              <a:rPr lang="en-US" altLang="fr-FR" dirty="0" err="1"/>
               <a:t>références</a:t>
             </a:r>
-            <a:endParaRPr lang="en-US" altLang="fr-FR" dirty="0" smtClean="0"/>
+            <a:endParaRPr lang="en-US" altLang="fr-FR" dirty="0"/>
           </a:p>
         </p:txBody>
       </p:sp>
@@ -9900,13 +9834,6 @@
   <p:clrMapOvr>
     <a:masterClrMapping/>
   </p:clrMapOvr>
-  <p:timing>
-    <p:tnLst>
-      <p:par>
-        <p:cTn id="1" dur="indefinite" restart="never" nodeType="tmRoot"/>
-      </p:par>
-    </p:tnLst>
-  </p:timing>
 </p:sld>
 </file>
 
@@ -9943,10 +9870,9 @@
           <a:lstStyle/>
           <a:p>
             <a:r>
-              <a:rPr lang="fr-FR" dirty="0" smtClean="0"/>
+              <a:rPr lang="fr-FR" dirty="0"/>
               <a:t>Remarques</a:t>
             </a:r>
-            <a:endParaRPr lang="fr-FR" dirty="0"/>
           </a:p>
         </p:txBody>
       </p:sp>
@@ -10173,11 +10099,7 @@
             </a:r>
             <a:r>
               <a:rPr lang="en-GB" altLang="fr-FR" dirty="0"/>
-              <a:t> </a:t>
-            </a:r>
-            <a:r>
-              <a:rPr lang="en-GB" altLang="fr-FR" dirty="0" smtClean="0"/>
-              <a:t>objet</a:t>
+              <a:t> objet</a:t>
             </a:r>
           </a:p>
           <a:p>
@@ -10190,16 +10112,12 @@
               </a:spcAft>
             </a:pPr>
             <a:r>
-              <a:rPr lang="en-GB" altLang="fr-FR" dirty="0" err="1" smtClean="0"/>
+              <a:rPr lang="en-GB" altLang="fr-FR" dirty="0" err="1"/>
               <a:t>ceci</a:t>
             </a:r>
             <a:r>
-              <a:rPr lang="en-GB" altLang="fr-FR" dirty="0" smtClean="0"/>
-              <a:t> </a:t>
-            </a:r>
-            <a:r>
               <a:rPr lang="en-GB" altLang="fr-FR" dirty="0"/>
-              <a:t>se </a:t>
+              <a:t> se </a:t>
             </a:r>
             <a:r>
               <a:rPr lang="en-GB" altLang="fr-FR" dirty="0" err="1"/>
@@ -10242,10 +10160,10 @@
               <a:t> les </a:t>
             </a:r>
             <a:r>
-              <a:rPr lang="en-GB" altLang="fr-FR" dirty="0" err="1" smtClean="0"/>
+              <a:rPr lang="en-GB" altLang="fr-FR" dirty="0" err="1"/>
               <a:t>listes</a:t>
             </a:r>
-            <a:endParaRPr lang="en-GB" altLang="fr-FR" dirty="0" smtClean="0"/>
+            <a:endParaRPr lang="en-GB" altLang="fr-FR" dirty="0"/>
           </a:p>
           <a:p>
             <a:pPr eaLnBrk="1" hangingPunct="1">
@@ -10257,35 +10175,31 @@
               </a:spcAft>
             </a:pPr>
             <a:r>
-              <a:rPr lang="en-GB" altLang="fr-FR" dirty="0" smtClean="0"/>
+              <a:rPr lang="en-GB" altLang="fr-FR" dirty="0"/>
               <a:t>Pour cloner </a:t>
             </a:r>
             <a:r>
-              <a:rPr lang="en-GB" altLang="fr-FR" dirty="0" err="1" smtClean="0"/>
+              <a:rPr lang="en-GB" altLang="fr-FR" dirty="0" err="1"/>
               <a:t>une</a:t>
-            </a:r>
-            <a:r>
-              <a:rPr lang="en-GB" altLang="fr-FR" dirty="0" smtClean="0"/>
-              <a:t> </a:t>
-            </a:r>
-            <a:r>
-              <a:rPr lang="en-GB" altLang="fr-FR" dirty="0" err="1" smtClean="0"/>
-              <a:t>liste</a:t>
             </a:r>
             <a:r>
               <a:rPr lang="en-GB" altLang="fr-FR" dirty="0"/>
               <a:t> </a:t>
             </a:r>
             <a:r>
-              <a:rPr lang="en-GB" altLang="fr-FR" dirty="0" smtClean="0"/>
-              <a:t>utiliser la </a:t>
-            </a:r>
-            <a:r>
-              <a:rPr lang="en-GB" altLang="fr-FR" dirty="0" err="1" smtClean="0"/>
+              <a:rPr lang="en-GB" altLang="fr-FR" dirty="0" err="1"/>
+              <a:t>liste</a:t>
+            </a:r>
+            <a:r>
+              <a:rPr lang="en-GB" altLang="fr-FR" dirty="0"/>
+              <a:t> utiliser la </a:t>
+            </a:r>
+            <a:r>
+              <a:rPr lang="en-GB" altLang="fr-FR" dirty="0" err="1"/>
               <a:t>fonction</a:t>
             </a:r>
             <a:r>
-              <a:rPr lang="en-GB" altLang="fr-FR" dirty="0" smtClean="0"/>
+              <a:rPr lang="en-GB" altLang="fr-FR" dirty="0"/>
               <a:t> list()</a:t>
             </a:r>
           </a:p>
@@ -10299,42 +10213,42 @@
               </a:spcAft>
             </a:pPr>
             <a:r>
-              <a:rPr lang="en-GB" altLang="fr-FR" dirty="0" err="1" smtClean="0"/>
+              <a:rPr lang="en-GB" altLang="fr-FR" dirty="0" err="1"/>
               <a:t>Transforme</a:t>
             </a:r>
             <a:r>
-              <a:rPr lang="en-GB" altLang="fr-FR" dirty="0" smtClean="0"/>
+              <a:rPr lang="en-GB" altLang="fr-FR" dirty="0"/>
               <a:t> </a:t>
             </a:r>
             <a:r>
-              <a:rPr lang="en-GB" altLang="fr-FR" dirty="0" err="1" smtClean="0"/>
+              <a:rPr lang="en-GB" altLang="fr-FR" dirty="0" err="1"/>
               <a:t>une</a:t>
             </a:r>
             <a:r>
-              <a:rPr lang="en-GB" altLang="fr-FR" dirty="0" smtClean="0"/>
+              <a:rPr lang="en-GB" altLang="fr-FR" dirty="0"/>
               <a:t> collection de </a:t>
             </a:r>
             <a:r>
-              <a:rPr lang="en-GB" altLang="fr-FR" dirty="0" err="1" smtClean="0"/>
+              <a:rPr lang="en-GB" altLang="fr-FR" dirty="0" err="1"/>
               <a:t>valeurs</a:t>
             </a:r>
             <a:r>
-              <a:rPr lang="en-GB" altLang="fr-FR" dirty="0" smtClean="0"/>
+              <a:rPr lang="en-GB" altLang="fr-FR" dirty="0"/>
               <a:t> </a:t>
             </a:r>
             <a:r>
-              <a:rPr lang="en-GB" altLang="fr-FR" dirty="0" err="1" smtClean="0"/>
+              <a:rPr lang="en-GB" altLang="fr-FR" dirty="0" err="1"/>
               <a:t>en</a:t>
             </a:r>
             <a:r>
-              <a:rPr lang="en-GB" altLang="fr-FR" dirty="0" smtClean="0"/>
+              <a:rPr lang="en-GB" altLang="fr-FR" dirty="0"/>
               <a:t> </a:t>
             </a:r>
             <a:r>
-              <a:rPr lang="en-GB" altLang="fr-FR" dirty="0" err="1" smtClean="0"/>
+              <a:rPr lang="en-GB" altLang="fr-FR" dirty="0" err="1"/>
               <a:t>liste</a:t>
             </a:r>
-            <a:endParaRPr lang="en-GB" altLang="fr-FR" dirty="0" smtClean="0"/>
+            <a:endParaRPr lang="en-GB" altLang="fr-FR" dirty="0"/>
           </a:p>
           <a:p>
             <a:pPr lvl="1" eaLnBrk="1" hangingPunct="1">
@@ -10345,7 +10259,7 @@
                 <a:spcPts val="500"/>
               </a:spcAft>
             </a:pPr>
-            <a:endParaRPr lang="en-GB" altLang="fr-FR" dirty="0" smtClean="0"/>
+            <a:endParaRPr lang="en-GB" altLang="fr-FR" dirty="0"/>
           </a:p>
         </p:txBody>
       </p:sp>
@@ -10359,13 +10273,6 @@
   <p:clrMapOvr>
     <a:masterClrMapping/>
   </p:clrMapOvr>
-  <p:timing>
-    <p:tnLst>
-      <p:par>
-        <p:cTn id="1" dur="indefinite" restart="never" nodeType="tmRoot"/>
-      </p:par>
-    </p:tnLst>
-  </p:timing>
 </p:sld>
 </file>
 
@@ -10402,7 +10309,7 @@
           <a:lstStyle/>
           <a:p>
             <a:r>
-              <a:rPr lang="fr-FR" dirty="0" err="1" smtClean="0"/>
+              <a:rPr lang="fr-FR" dirty="0" err="1"/>
               <a:t>Tuples</a:t>
             </a:r>
             <a:endParaRPr lang="fr-FR" dirty="0"/>
@@ -10425,13 +10332,13 @@
           <a:lstStyle/>
           <a:p>
             <a:r>
-              <a:rPr lang="fr-FR" dirty="0" smtClean="0"/>
+              <a:rPr lang="fr-FR" dirty="0"/>
               <a:t>Est une collection de valeurs non modifiable</a:t>
             </a:r>
           </a:p>
           <a:p>
             <a:r>
-              <a:rPr lang="en-GB" altLang="fr-FR" dirty="0" smtClean="0"/>
+              <a:rPr lang="en-GB" altLang="fr-FR" dirty="0"/>
               <a:t>Des </a:t>
             </a:r>
             <a:r>
@@ -10456,73 +10363,61 @@
             </a:r>
             <a:r>
               <a:rPr lang="en-GB" altLang="fr-FR" dirty="0"/>
-              <a:t> par des </a:t>
-            </a:r>
-            <a:r>
-              <a:rPr lang="en-GB" altLang="fr-FR" dirty="0" smtClean="0"/>
-              <a:t>virgules</a:t>
+              <a:t> par des virgules</a:t>
             </a:r>
           </a:p>
           <a:p>
             <a:pPr lvl="1"/>
             <a:r>
-              <a:rPr lang="en-GB" altLang="fr-FR" dirty="0" smtClean="0"/>
-              <a:t>&gt;&gt;&gt;</a:t>
-            </a:r>
-            <a:r>
               <a:rPr lang="en-GB" altLang="fr-FR" dirty="0"/>
-              <a:t>tuple=(0,1.4,’world</a:t>
-            </a:r>
-            <a:r>
-              <a:rPr lang="en-GB" altLang="fr-FR" dirty="0" smtClean="0"/>
-              <a:t>’)</a:t>
-            </a:r>
-          </a:p>
-          <a:p>
-            <a:r>
-              <a:rPr lang="en-GB" altLang="fr-FR" dirty="0" err="1" smtClean="0"/>
+              <a:t>&gt;&gt;&gt;tuple=(0,1.4,’world’)</a:t>
+            </a:r>
+          </a:p>
+          <a:p>
+            <a:r>
+              <a:rPr lang="en-GB" altLang="fr-FR" dirty="0" err="1"/>
               <a:t>Très</a:t>
             </a:r>
             <a:r>
-              <a:rPr lang="en-GB" altLang="fr-FR" dirty="0" smtClean="0"/>
+              <a:rPr lang="en-GB" altLang="fr-FR" dirty="0"/>
               <a:t> utile pour les retours de </a:t>
             </a:r>
             <a:r>
-              <a:rPr lang="en-GB" altLang="fr-FR" dirty="0" err="1" smtClean="0"/>
+              <a:rPr lang="en-GB" altLang="fr-FR" dirty="0" err="1"/>
               <a:t>fonctions</a:t>
             </a:r>
-            <a:endParaRPr lang="en-GB" altLang="fr-FR" dirty="0" smtClean="0"/>
+            <a:endParaRPr lang="en-GB" altLang="fr-FR" dirty="0"/>
           </a:p>
           <a:p>
             <a:pPr lvl="1"/>
             <a:r>
-              <a:rPr lang="en-GB" altLang="fr-FR" dirty="0" err="1" smtClean="0"/>
+              <a:rPr lang="en-GB" altLang="fr-FR" dirty="0" err="1"/>
               <a:t>Egalement</a:t>
             </a:r>
             <a:r>
-              <a:rPr lang="en-GB" altLang="fr-FR" dirty="0" smtClean="0"/>
+              <a:rPr lang="en-GB" altLang="fr-FR" dirty="0"/>
               <a:t> pour les </a:t>
             </a:r>
             <a:r>
-              <a:rPr lang="en-GB" altLang="fr-FR" dirty="0" err="1" smtClean="0"/>
+              <a:rPr lang="en-GB" altLang="fr-FR" dirty="0" err="1"/>
               <a:t>appels</a:t>
             </a:r>
             <a:r>
-              <a:rPr lang="en-GB" altLang="fr-FR" dirty="0" smtClean="0"/>
+              <a:rPr lang="en-GB" altLang="fr-FR" dirty="0"/>
               <a:t> pour assurer de la non modification des </a:t>
             </a:r>
             <a:r>
-              <a:rPr lang="en-GB" altLang="fr-FR" dirty="0" err="1" smtClean="0"/>
+              <a:rPr lang="en-GB" altLang="fr-FR" dirty="0" err="1"/>
               <a:t>valeurs</a:t>
             </a:r>
-            <a:endParaRPr lang="en-GB" altLang="fr-FR" dirty="0" smtClean="0"/>
-          </a:p>
-          <a:p>
-            <a:r>
-              <a:rPr lang="en-GB" altLang="fr-FR" dirty="0" err="1" smtClean="0"/>
+            <a:endParaRPr lang="en-GB" altLang="fr-FR" dirty="0"/>
+          </a:p>
+          <a:p>
+            <a:r>
+              <a:rPr lang="en-GB" altLang="fr-FR" dirty="0" err="1"/>
               <a:t>Rapide</a:t>
             </a:r>
-            <a:endParaRPr lang="en-GB" altLang="fr-FR" dirty="0" smtClean="0"/>
+            <a:endParaRPr lang="en-GB" altLang="fr-FR" dirty="0"/>
           </a:p>
           <a:p>
             <a:r>
@@ -10530,70 +10425,70 @@
               <a:t>t</a:t>
             </a:r>
             <a:r>
-              <a:rPr lang="en-GB" altLang="fr-FR" smtClean="0"/>
+              <a:rPr lang="en-GB" altLang="fr-FR"/>
               <a:t>uple</a:t>
             </a:r>
             <a:r>
-              <a:rPr lang="en-GB" altLang="fr-FR" dirty="0" smtClean="0"/>
+              <a:rPr lang="en-GB" altLang="fr-FR" dirty="0"/>
               <a:t>()</a:t>
             </a:r>
           </a:p>
           <a:p>
             <a:pPr lvl="1"/>
             <a:r>
-              <a:rPr lang="en-GB" altLang="fr-FR" dirty="0" err="1" smtClean="0"/>
+              <a:rPr lang="en-GB" altLang="fr-FR" dirty="0" err="1"/>
               <a:t>Convertit</a:t>
             </a:r>
             <a:r>
-              <a:rPr lang="en-GB" altLang="fr-FR" dirty="0" smtClean="0"/>
+              <a:rPr lang="en-GB" altLang="fr-FR" dirty="0"/>
               <a:t> </a:t>
             </a:r>
             <a:r>
-              <a:rPr lang="en-GB" altLang="fr-FR" dirty="0" err="1" smtClean="0"/>
+              <a:rPr lang="en-GB" altLang="fr-FR" dirty="0" err="1"/>
               <a:t>une</a:t>
             </a:r>
             <a:r>
-              <a:rPr lang="en-GB" altLang="fr-FR" dirty="0" smtClean="0"/>
+              <a:rPr lang="en-GB" altLang="fr-FR" dirty="0"/>
               <a:t> </a:t>
             </a:r>
             <a:r>
-              <a:rPr lang="en-GB" altLang="fr-FR" dirty="0" err="1" smtClean="0"/>
+              <a:rPr lang="en-GB" altLang="fr-FR" dirty="0" err="1"/>
               <a:t>liste</a:t>
             </a:r>
             <a:r>
-              <a:rPr lang="en-GB" altLang="fr-FR" dirty="0" smtClean="0"/>
+              <a:rPr lang="en-GB" altLang="fr-FR" dirty="0"/>
               <a:t> </a:t>
             </a:r>
             <a:r>
-              <a:rPr lang="en-GB" altLang="fr-FR" dirty="0" err="1" smtClean="0"/>
+              <a:rPr lang="en-GB" altLang="fr-FR" dirty="0" err="1"/>
               <a:t>en</a:t>
             </a:r>
             <a:r>
-              <a:rPr lang="en-GB" altLang="fr-FR" dirty="0" smtClean="0"/>
+              <a:rPr lang="en-GB" altLang="fr-FR" dirty="0"/>
               <a:t> tuple </a:t>
             </a:r>
             <a:r>
-              <a:rPr lang="en-GB" altLang="fr-FR" dirty="0" err="1" smtClean="0"/>
+              <a:rPr lang="en-GB" altLang="fr-FR" dirty="0" err="1"/>
               <a:t>en</a:t>
             </a:r>
             <a:r>
-              <a:rPr lang="en-GB" altLang="fr-FR" dirty="0" smtClean="0"/>
+              <a:rPr lang="en-GB" altLang="fr-FR" dirty="0"/>
               <a:t> la </a:t>
             </a:r>
             <a:r>
-              <a:rPr lang="en-GB" altLang="fr-FR" dirty="0" err="1" smtClean="0"/>
+              <a:rPr lang="en-GB" altLang="fr-FR" dirty="0" err="1"/>
               <a:t>clonant</a:t>
             </a:r>
             <a:r>
-              <a:rPr lang="en-GB" altLang="fr-FR" dirty="0" smtClean="0"/>
+              <a:rPr lang="en-GB" altLang="fr-FR" dirty="0"/>
               <a:t> </a:t>
             </a:r>
             <a:r>
-              <a:rPr lang="en-GB" altLang="fr-FR" dirty="0" err="1" smtClean="0"/>
+              <a:rPr lang="en-GB" altLang="fr-FR" dirty="0" err="1"/>
               <a:t>ou</a:t>
             </a:r>
             <a:r>
-              <a:rPr lang="en-GB" altLang="fr-FR" dirty="0" smtClean="0"/>
+              <a:rPr lang="en-GB" altLang="fr-FR" dirty="0"/>
               <a:t> clone le tuple</a:t>
             </a:r>
           </a:p>
@@ -10615,13 +10510,6 @@
   <p:clrMapOvr>
     <a:masterClrMapping/>
   </p:clrMapOvr>
-  <p:timing>
-    <p:tnLst>
-      <p:par>
-        <p:cTn id="1" dur="indefinite" restart="never" nodeType="tmRoot"/>
-      </p:par>
-    </p:tnLst>
-  </p:timing>
 </p:sld>
 </file>
 
@@ -10658,11 +10546,11 @@
           <a:lstStyle/>
           <a:p>
             <a:r>
-              <a:rPr lang="fr-FR" dirty="0" smtClean="0"/>
+              <a:rPr lang="fr-FR" dirty="0"/>
               <a:t>Opération sur les </a:t>
             </a:r>
             <a:r>
-              <a:rPr lang="fr-FR" dirty="0" err="1" smtClean="0"/>
+              <a:rPr lang="fr-FR" dirty="0" err="1"/>
               <a:t>tuples</a:t>
             </a:r>
             <a:endParaRPr lang="fr-FR" dirty="0"/>
@@ -10857,10 +10745,9 @@
           <a:lstStyle/>
           <a:p>
             <a:r>
-              <a:rPr lang="fr-FR" dirty="0" smtClean="0"/>
+              <a:rPr lang="fr-FR" dirty="0"/>
               <a:t>Les dictionnaires</a:t>
             </a:r>
-            <a:endParaRPr lang="fr-FR" dirty="0"/>
           </a:p>
         </p:txBody>
       </p:sp>
@@ -10914,11 +10801,7 @@
             </a:r>
             <a:r>
               <a:rPr lang="en-GB" altLang="fr-FR" dirty="0"/>
-              <a:t> avec </a:t>
-            </a:r>
-            <a:r>
-              <a:rPr lang="en-GB" altLang="fr-FR" dirty="0" smtClean="0"/>
-              <a:t>des </a:t>
+              <a:t> avec des </a:t>
             </a:r>
             <a:r>
               <a:rPr lang="en-GB" altLang="fr-FR" dirty="0" err="1"/>
@@ -10929,7 +10812,7 @@
               <a:t> </a:t>
             </a:r>
             <a:r>
-              <a:rPr lang="en-GB" altLang="fr-FR" dirty="0" err="1" smtClean="0"/>
+              <a:rPr lang="en-GB" altLang="fr-FR" dirty="0" err="1"/>
               <a:t>uniques</a:t>
             </a:r>
             <a:endParaRPr lang="en-GB" altLang="fr-FR" dirty="0"/>
@@ -10937,12 +10820,8 @@
           <a:p>
             <a:pPr eaLnBrk="1" hangingPunct="1"/>
             <a:r>
-              <a:rPr lang="en-GB" altLang="fr-FR" dirty="0" smtClean="0"/>
-              <a:t>Des </a:t>
-            </a:r>
-            <a:r>
               <a:rPr lang="en-GB" altLang="fr-FR" dirty="0"/>
-              <a:t>couples </a:t>
+              <a:t>Des couples </a:t>
             </a:r>
             <a:r>
               <a:rPr lang="en-GB" altLang="fr-FR" dirty="0" err="1"/>
@@ -10958,17 +10837,13 @@
             </a:r>
             <a:r>
               <a:rPr lang="en-GB" altLang="fr-FR" dirty="0"/>
-              <a:t> par des virgules et entre </a:t>
-            </a:r>
-            <a:r>
-              <a:rPr lang="en-GB" altLang="fr-FR" dirty="0" smtClean="0"/>
-              <a:t>accolades</a:t>
+              <a:t> par des virgules et entre accolades</a:t>
             </a:r>
           </a:p>
           <a:p>
             <a:pPr lvl="1" eaLnBrk="1" hangingPunct="1"/>
             <a:r>
-              <a:rPr lang="en-GB" altLang="fr-FR" i="1" dirty="0" smtClean="0">
+              <a:rPr lang="en-GB" altLang="fr-FR" i="1" dirty="0">
                 <a:solidFill>
                   <a:schemeClr val="accent2"/>
                 </a:solidFill>
@@ -11019,23 +10894,23 @@
           <a:p>
             <a:pPr eaLnBrk="1" hangingPunct="1"/>
             <a:r>
-              <a:rPr lang="en-GB" altLang="fr-FR" dirty="0" smtClean="0"/>
+              <a:rPr lang="en-GB" altLang="fr-FR" dirty="0"/>
               <a:t>Un </a:t>
             </a:r>
             <a:r>
-              <a:rPr lang="en-GB" altLang="fr-FR" dirty="0" err="1" smtClean="0"/>
+              <a:rPr lang="en-GB" altLang="fr-FR" dirty="0" err="1"/>
               <a:t>dictionnaire</a:t>
             </a:r>
             <a:r>
-              <a:rPr lang="en-GB" altLang="fr-FR" dirty="0" smtClean="0"/>
+              <a:rPr lang="en-GB" altLang="fr-FR" dirty="0"/>
               <a:t> </a:t>
             </a:r>
             <a:r>
-              <a:rPr lang="en-GB" altLang="fr-FR" dirty="0" err="1" smtClean="0"/>
+              <a:rPr lang="en-GB" altLang="fr-FR" dirty="0" err="1"/>
               <a:t>est</a:t>
             </a:r>
             <a:r>
-              <a:rPr lang="en-GB" altLang="fr-FR" dirty="0" smtClean="0"/>
+              <a:rPr lang="en-GB" altLang="fr-FR" dirty="0"/>
               <a:t> </a:t>
             </a:r>
             <a:r>
@@ -11044,18 +10919,14 @@
             </a:r>
             <a:r>
               <a:rPr lang="en-GB" altLang="fr-FR" dirty="0"/>
-              <a:t> </a:t>
-            </a:r>
-            <a:r>
-              <a:rPr lang="en-GB" altLang="fr-FR" dirty="0" smtClean="0"/>
-              <a:t>par </a:t>
-            </a:r>
-            <a:r>
-              <a:rPr lang="en-GB" altLang="fr-FR" dirty="0" err="1" smtClean="0"/>
+              <a:t> par </a:t>
+            </a:r>
+            <a:r>
+              <a:rPr lang="en-GB" altLang="fr-FR" dirty="0" err="1"/>
               <a:t>une</a:t>
             </a:r>
             <a:r>
-              <a:rPr lang="en-GB" altLang="fr-FR" dirty="0" smtClean="0"/>
+              <a:rPr lang="en-GB" altLang="fr-FR" dirty="0"/>
               <a:t> </a:t>
             </a:r>
             <a:r>
@@ -11075,11 +10946,11 @@
               <a:t> </a:t>
             </a:r>
             <a:r>
-              <a:rPr lang="en-GB" altLang="fr-FR" dirty="0" err="1" smtClean="0"/>
+              <a:rPr lang="en-GB" altLang="fr-FR" dirty="0" err="1"/>
               <a:t>être</a:t>
             </a:r>
             <a:r>
-              <a:rPr lang="en-GB" altLang="fr-FR" dirty="0" smtClean="0"/>
+              <a:rPr lang="en-GB" altLang="fr-FR" dirty="0"/>
               <a:t> de </a:t>
             </a:r>
             <a:r>
@@ -11096,18 +10967,14 @@
             </a:r>
             <a:r>
               <a:rPr lang="en-GB" altLang="fr-FR" dirty="0"/>
-              <a:t> type </a:t>
-            </a:r>
-            <a:r>
-              <a:rPr lang="en-GB" altLang="fr-FR" dirty="0" smtClean="0"/>
-              <a:t>non-modifiable (</a:t>
-            </a:r>
-            <a:r>
-              <a:rPr lang="en-GB" altLang="fr-FR" dirty="0" err="1" smtClean="0"/>
+              <a:t> type non-modifiable (</a:t>
+            </a:r>
+            <a:r>
+              <a:rPr lang="en-GB" altLang="fr-FR" dirty="0" err="1"/>
               <a:t>hachage</a:t>
             </a:r>
             <a:r>
-              <a:rPr lang="en-GB" altLang="fr-FR" dirty="0" smtClean="0"/>
+              <a:rPr lang="en-GB" altLang="fr-FR" dirty="0"/>
               <a:t>)</a:t>
             </a:r>
           </a:p>
@@ -11115,86 +10982,82 @@
             <a:pPr lvl="1" eaLnBrk="1" hangingPunct="1"/>
             <a:r>
               <a:rPr lang="en-GB" altLang="fr-FR" dirty="0"/>
-              <a:t>s</a:t>
-            </a:r>
-            <a:r>
-              <a:rPr lang="en-GB" altLang="fr-FR" dirty="0" smtClean="0"/>
-              <a:t>tring, </a:t>
-            </a:r>
-            <a:r>
-              <a:rPr lang="en-GB" altLang="fr-FR" dirty="0" err="1" smtClean="0"/>
+              <a:t>string, </a:t>
+            </a:r>
+            <a:r>
+              <a:rPr lang="en-GB" altLang="fr-FR" dirty="0" err="1"/>
               <a:t>nombre</a:t>
             </a:r>
             <a:r>
-              <a:rPr lang="en-GB" altLang="fr-FR" dirty="0" smtClean="0"/>
+              <a:rPr lang="en-GB" altLang="fr-FR" dirty="0"/>
               <a:t>, tuples de string et </a:t>
             </a:r>
             <a:r>
-              <a:rPr lang="en-GB" altLang="fr-FR" dirty="0" err="1" smtClean="0"/>
+              <a:rPr lang="en-GB" altLang="fr-FR" dirty="0" err="1"/>
               <a:t>nombre</a:t>
             </a:r>
-            <a:endParaRPr lang="en-GB" altLang="fr-FR" dirty="0" smtClean="0"/>
+            <a:endParaRPr lang="en-GB" altLang="fr-FR" dirty="0"/>
           </a:p>
           <a:p>
             <a:pPr eaLnBrk="1" hangingPunct="1"/>
             <a:r>
-              <a:rPr lang="en-GB" altLang="fr-FR" dirty="0" err="1" smtClean="0"/>
+              <a:rPr lang="en-GB" altLang="fr-FR" dirty="0" err="1"/>
               <a:t>Très</a:t>
-            </a:r>
-            <a:r>
-              <a:rPr lang="en-GB" altLang="fr-FR" dirty="0" smtClean="0"/>
-              <a:t> </a:t>
-            </a:r>
-            <a:r>
-              <a:rPr lang="en-GB" altLang="fr-FR" dirty="0" err="1" smtClean="0"/>
-              <a:t>rapide</a:t>
-            </a:r>
-            <a:endParaRPr lang="en-GB" altLang="fr-FR" dirty="0"/>
-          </a:p>
-          <a:p>
-            <a:pPr lvl="1" eaLnBrk="1" hangingPunct="1"/>
-            <a:r>
-              <a:rPr lang="en-GB" altLang="fr-FR" dirty="0" err="1" smtClean="0"/>
-              <a:t>Algorithme</a:t>
-            </a:r>
-            <a:r>
-              <a:rPr lang="en-GB" altLang="fr-FR" dirty="0" smtClean="0"/>
-              <a:t> de </a:t>
-            </a:r>
-            <a:r>
-              <a:rPr lang="en-GB" altLang="fr-FR" dirty="0" err="1" smtClean="0"/>
-              <a:t>hachage</a:t>
-            </a:r>
-            <a:endParaRPr lang="en-GB" altLang="fr-FR" dirty="0" smtClean="0"/>
-          </a:p>
-          <a:p>
-            <a:pPr lvl="1" eaLnBrk="1" hangingPunct="1"/>
-            <a:r>
-              <a:rPr lang="en-GB" altLang="fr-FR" dirty="0" err="1" smtClean="0"/>
-              <a:t>Perte</a:t>
-            </a:r>
-            <a:r>
-              <a:rPr lang="en-GB" altLang="fr-FR" dirty="0" smtClean="0"/>
-              <a:t> de </a:t>
-            </a:r>
-            <a:r>
-              <a:rPr lang="en-GB" altLang="fr-FR" dirty="0" err="1" smtClean="0"/>
-              <a:t>l’ordre</a:t>
             </a:r>
             <a:r>
               <a:rPr lang="en-GB" altLang="fr-FR" dirty="0"/>
               <a:t> </a:t>
             </a:r>
             <a:r>
-              <a:rPr lang="en-GB" altLang="fr-FR" dirty="0" err="1" smtClean="0"/>
+              <a:rPr lang="en-GB" altLang="fr-FR" dirty="0" err="1"/>
+              <a:t>rapide</a:t>
+            </a:r>
+            <a:endParaRPr lang="en-GB" altLang="fr-FR" dirty="0"/>
+          </a:p>
+          <a:p>
+            <a:pPr lvl="1" eaLnBrk="1" hangingPunct="1"/>
+            <a:r>
+              <a:rPr lang="en-GB" altLang="fr-FR" dirty="0" err="1"/>
+              <a:t>Algorithme</a:t>
+            </a:r>
+            <a:r>
+              <a:rPr lang="en-GB" altLang="fr-FR" dirty="0"/>
+              <a:t> de </a:t>
+            </a:r>
+            <a:r>
+              <a:rPr lang="en-GB" altLang="fr-FR" dirty="0" err="1"/>
+              <a:t>hachage</a:t>
+            </a:r>
+            <a:endParaRPr lang="en-GB" altLang="fr-FR" dirty="0"/>
+          </a:p>
+          <a:p>
+            <a:pPr lvl="1" eaLnBrk="1" hangingPunct="1"/>
+            <a:r>
+              <a:rPr lang="en-GB" altLang="fr-FR" dirty="0" err="1"/>
+              <a:t>Perte</a:t>
+            </a:r>
+            <a:r>
+              <a:rPr lang="en-GB" altLang="fr-FR" dirty="0"/>
+              <a:t> de </a:t>
+            </a:r>
+            <a:r>
+              <a:rPr lang="en-GB" altLang="fr-FR" dirty="0" err="1"/>
+              <a:t>l’ordre</a:t>
+            </a:r>
+            <a:r>
+              <a:rPr lang="en-GB" altLang="fr-FR" dirty="0"/>
+              <a:t> </a:t>
+            </a:r>
+            <a:r>
+              <a:rPr lang="en-GB" altLang="fr-FR" dirty="0" err="1"/>
               <a:t>sauf</a:t>
             </a:r>
             <a:r>
-              <a:rPr lang="en-GB" altLang="fr-FR" dirty="0" smtClean="0"/>
+              <a:rPr lang="en-GB" altLang="fr-FR" dirty="0"/>
               <a:t> pour </a:t>
             </a:r>
             <a:r>
-              <a:rPr lang="en-GB" altLang="fr-FR" dirty="0" err="1" smtClean="0"/>
+              <a:rPr lang="en-GB" altLang="fr-FR" dirty="0" err="1"/>
               <a:t>collections.OrderedDict</a:t>
             </a:r>
             <a:endParaRPr lang="en-GB" altLang="fr-FR" dirty="0"/>
@@ -11214,13 +11077,6 @@
   <p:clrMapOvr>
     <a:masterClrMapping/>
   </p:clrMapOvr>
-  <p:timing>
-    <p:tnLst>
-      <p:par>
-        <p:cTn id="1" dur="indefinite" restart="never" nodeType="tmRoot"/>
-      </p:par>
-    </p:tnLst>
-  </p:timing>
 </p:sld>
 </file>
 
@@ -11257,10 +11113,9 @@
           <a:lstStyle/>
           <a:p>
             <a:r>
-              <a:rPr lang="fr-FR" dirty="0" smtClean="0"/>
+              <a:rPr lang="fr-FR" dirty="0"/>
               <a:t>Opérations de dictionnaire</a:t>
             </a:r>
-            <a:endParaRPr lang="fr-FR" dirty="0"/>
           </a:p>
         </p:txBody>
       </p:sp>
@@ -11343,30 +11198,26 @@
             </a:pPr>
             <a:r>
               <a:rPr lang="en-GB" altLang="fr-FR" dirty="0" err="1"/>
-              <a:t>h</a:t>
-            </a:r>
-            <a:r>
-              <a:rPr lang="en-GB" altLang="fr-FR" dirty="0" err="1" smtClean="0"/>
-              <a:t>as_keys</a:t>
-            </a:r>
-            <a:r>
-              <a:rPr lang="en-GB" altLang="fr-FR" dirty="0" smtClean="0"/>
+              <a:t>has_keys</a:t>
+            </a:r>
+            <a:r>
+              <a:rPr lang="en-GB" altLang="fr-FR" dirty="0"/>
               <a:t> </a:t>
             </a:r>
             <a:r>
-              <a:rPr lang="en-GB" altLang="fr-FR" dirty="0" err="1" smtClean="0"/>
+              <a:rPr lang="en-GB" altLang="fr-FR" dirty="0" err="1"/>
               <a:t>remplacé</a:t>
             </a:r>
             <a:r>
-              <a:rPr lang="en-GB" altLang="fr-FR" dirty="0" smtClean="0"/>
+              <a:rPr lang="en-GB" altLang="fr-FR" dirty="0"/>
               <a:t> par in </a:t>
             </a:r>
             <a:r>
-              <a:rPr lang="en-GB" altLang="fr-FR" dirty="0" err="1" smtClean="0"/>
+              <a:rPr lang="en-GB" altLang="fr-FR" dirty="0" err="1"/>
               <a:t>en</a:t>
             </a:r>
             <a:r>
-              <a:rPr lang="en-GB" altLang="fr-FR" dirty="0" smtClean="0"/>
+              <a:rPr lang="en-GB" altLang="fr-FR" dirty="0"/>
               <a:t> python 3</a:t>
             </a:r>
             <a:endParaRPr lang="fr-FR" dirty="0"/>
@@ -11505,10 +11356,9 @@
           <a:lstStyle/>
           <a:p>
             <a:r>
-              <a:rPr lang="fr-FR" dirty="0" smtClean="0"/>
+              <a:rPr lang="fr-FR" dirty="0"/>
               <a:t>Les listes</a:t>
             </a:r>
-            <a:endParaRPr lang="fr-FR" dirty="0"/>
           </a:p>
         </p:txBody>
       </p:sp>
@@ -11533,31 +11383,27 @@
               </a:lnSpc>
             </a:pPr>
             <a:r>
-              <a:rPr lang="en-GB" altLang="fr-FR" dirty="0" smtClean="0"/>
+              <a:rPr lang="en-GB" altLang="fr-FR" dirty="0"/>
               <a:t>Il </a:t>
             </a:r>
             <a:r>
-              <a:rPr lang="en-GB" altLang="fr-FR" dirty="0" err="1" smtClean="0"/>
+              <a:rPr lang="en-GB" altLang="fr-FR" dirty="0" err="1"/>
               <a:t>s’agit</a:t>
             </a:r>
             <a:r>
-              <a:rPr lang="en-GB" altLang="fr-FR" dirty="0" smtClean="0"/>
+              <a:rPr lang="en-GB" altLang="fr-FR" dirty="0"/>
               <a:t> </a:t>
             </a:r>
             <a:r>
-              <a:rPr lang="en-GB" altLang="fr-FR" dirty="0" err="1" smtClean="0"/>
+              <a:rPr lang="en-GB" altLang="fr-FR" dirty="0" err="1"/>
               <a:t>d’une</a:t>
             </a:r>
             <a:r>
-              <a:rPr lang="en-GB" altLang="fr-FR" dirty="0" smtClean="0"/>
-              <a:t> </a:t>
-            </a:r>
-            <a:r>
               <a:rPr lang="en-GB" altLang="fr-FR" dirty="0"/>
-              <a:t>collection </a:t>
-            </a:r>
-            <a:r>
-              <a:rPr lang="en-GB" altLang="fr-FR" dirty="0" err="1" smtClean="0"/>
+              <a:t> collection </a:t>
+            </a:r>
+            <a:r>
+              <a:rPr lang="en-GB" altLang="fr-FR" dirty="0" err="1"/>
               <a:t>d’objets</a:t>
             </a:r>
             <a:endParaRPr lang="en-GB" altLang="fr-FR" dirty="0"/>
@@ -11569,11 +11415,11 @@
               </a:lnSpc>
             </a:pPr>
             <a:r>
-              <a:rPr lang="en-GB" altLang="fr-FR" dirty="0" err="1" smtClean="0"/>
+              <a:rPr lang="en-GB" altLang="fr-FR" dirty="0" err="1"/>
               <a:t>une</a:t>
             </a:r>
             <a:r>
-              <a:rPr lang="en-GB" altLang="fr-FR" dirty="0" smtClean="0"/>
+              <a:rPr lang="en-GB" altLang="fr-FR" dirty="0"/>
               <a:t> </a:t>
             </a:r>
             <a:r>
@@ -11614,11 +11460,7 @@
             </a:r>
             <a:r>
               <a:rPr lang="en-GB" altLang="fr-FR" dirty="0"/>
-              <a:t> par des </a:t>
-            </a:r>
-            <a:r>
-              <a:rPr lang="en-GB" altLang="fr-FR" dirty="0" smtClean="0"/>
-              <a:t>virgules.</a:t>
+              <a:t> par des virgules.</a:t>
             </a:r>
           </a:p>
           <a:p>
@@ -11628,7 +11470,7 @@
               </a:lnSpc>
             </a:pPr>
             <a:r>
-              <a:rPr lang="en-GB" altLang="fr-FR" dirty="0" smtClean="0"/>
+              <a:rPr lang="en-GB" altLang="fr-FR" dirty="0"/>
               <a:t>Les </a:t>
             </a:r>
             <a:r>
@@ -11669,11 +11511,7 @@
             </a:r>
             <a:r>
               <a:rPr lang="en-GB" altLang="fr-FR" dirty="0"/>
-              <a:t> </a:t>
-            </a:r>
-            <a:r>
-              <a:rPr lang="en-GB" altLang="fr-FR" dirty="0" smtClean="0"/>
-              <a:t>type</a:t>
+              <a:t> type</a:t>
             </a:r>
           </a:p>
           <a:p>
@@ -11683,11 +11521,11 @@
               </a:lnSpc>
             </a:pPr>
             <a:r>
-              <a:rPr lang="en-GB" altLang="fr-FR" dirty="0" err="1" smtClean="0"/>
+              <a:rPr lang="en-GB" altLang="fr-FR" dirty="0" err="1"/>
               <a:t>Voici</a:t>
             </a:r>
             <a:r>
-              <a:rPr lang="en-GB" altLang="fr-FR" dirty="0" smtClean="0"/>
+              <a:rPr lang="en-GB" altLang="fr-FR" dirty="0"/>
               <a:t> </a:t>
             </a:r>
             <a:r>
@@ -11707,7 +11545,7 @@
               <a:t> de 4 </a:t>
             </a:r>
             <a:r>
-              <a:rPr lang="en-GB" altLang="fr-FR" dirty="0" err="1" smtClean="0"/>
+              <a:rPr lang="en-GB" altLang="fr-FR" dirty="0" err="1"/>
               <a:t>éléments</a:t>
             </a:r>
             <a:endParaRPr lang="en-GB" altLang="fr-FR" dirty="0"/>
@@ -11719,12 +11557,8 @@
               </a:lnSpc>
             </a:pPr>
             <a:r>
-              <a:rPr lang="en-GB" altLang="fr-FR" dirty="0" smtClean="0"/>
-              <a:t>&gt;&gt;&gt;</a:t>
-            </a:r>
-            <a:r>
               <a:rPr lang="en-GB" altLang="fr-FR" dirty="0"/>
-              <a:t>a = [‘spam’, ‘eggs’,100,1234]				  </a:t>
+              <a:t>&gt;&gt;&gt;a = [‘spam’, ‘eggs’,100,1234]				  </a:t>
             </a:r>
           </a:p>
           <a:p>
@@ -11798,10 +11632,10 @@
               <a:t>, </a:t>
             </a:r>
             <a:r>
-              <a:rPr lang="en-GB" altLang="fr-FR" dirty="0" err="1" smtClean="0"/>
+              <a:rPr lang="en-GB" altLang="fr-FR" dirty="0" err="1"/>
               <a:t>concaténées</a:t>
             </a:r>
-            <a:endParaRPr lang="en-GB" altLang="fr-FR" dirty="0" smtClean="0"/>
+            <a:endParaRPr lang="en-GB" altLang="fr-FR" dirty="0"/>
           </a:p>
           <a:p>
             <a:pPr eaLnBrk="1" hangingPunct="1">
@@ -11810,7 +11644,7 @@
               </a:lnSpc>
             </a:pPr>
             <a:r>
-              <a:rPr lang="en-GB" altLang="fr-FR" dirty="0" smtClean="0"/>
+              <a:rPr lang="en-GB" altLang="fr-FR" dirty="0"/>
               <a:t>Les </a:t>
             </a:r>
             <a:r>
@@ -11866,7 +11700,7 @@
               <a:t> </a:t>
             </a:r>
             <a:r>
-              <a:rPr lang="en-GB" altLang="fr-FR" dirty="0" err="1" smtClean="0"/>
+              <a:rPr lang="en-GB" altLang="fr-FR" dirty="0" err="1"/>
               <a:t>individuellement</a:t>
             </a:r>
             <a:endParaRPr lang="fr-FR" dirty="0"/>
@@ -11883,13 +11717,6 @@
   <p:clrMapOvr>
     <a:masterClrMapping/>
   </p:clrMapOvr>
-  <p:timing>
-    <p:tnLst>
-      <p:par>
-        <p:cTn id="1" dur="indefinite" restart="never" nodeType="tmRoot"/>
-      </p:par>
-    </p:tnLst>
-  </p:timing>
 </p:sld>
 </file>
 
@@ -11926,10 +11753,9 @@
           <a:lstStyle/>
           <a:p>
             <a:r>
-              <a:rPr lang="fr-FR" dirty="0" smtClean="0"/>
+              <a:rPr lang="fr-FR" dirty="0"/>
               <a:t>Exemple</a:t>
             </a:r>
-            <a:endParaRPr lang="fr-FR" dirty="0"/>
           </a:p>
         </p:txBody>
       </p:sp>
@@ -12129,18 +11955,378 @@
               </a:spcBef>
             </a:pPr>
             <a:r>
-              <a:rPr lang="en-GB" altLang="fr-FR" sz="1800" kern="0" smtClean="0">
+              <a:rPr lang="en-GB" altLang="fr-FR" sz="1800" kern="0" dirty="0">
                 <a:solidFill>
                   <a:schemeClr val="accent2"/>
                 </a:solidFill>
                 <a:latin typeface="Courier New" panose="02070309020205020404" pitchFamily="49" charset="0"/>
               </a:rPr>
-              <a:t>&gt;&gt;&gt; tel = {'jack': 4098, 'sape': 4139}       	&gt;&gt;&gt; tel['guido'] = 4127				&gt;&gt;&gt; tel							{'sape': 4139, 'guido': 4127, 'jack': 4098}	&gt;&gt;&gt; tel['jack']						4098							&gt;&gt;&gt; del tel['sape']					&gt;&gt;&gt; tel['irv'] = 4127					&gt;&gt;&gt; tel							{'guido': 4127, 'irv': 4127, 'jack': 4098}	&gt;&gt;&gt; tel.keys()						['guido', 'irv', 'jack']				&gt;&gt;&gt; tel.has_key('guido')			       	1</a:t>
+              <a:t>&gt;&gt;&gt; </a:t>
+            </a:r>
+            <a:r>
+              <a:rPr lang="en-GB" altLang="fr-FR" sz="1800" kern="0" dirty="0" err="1">
+                <a:solidFill>
+                  <a:schemeClr val="accent2"/>
+                </a:solidFill>
+                <a:latin typeface="Courier New" panose="02070309020205020404" pitchFamily="49" charset="0"/>
+              </a:rPr>
+              <a:t>tel</a:t>
+            </a:r>
+            <a:r>
+              <a:rPr lang="en-GB" altLang="fr-FR" sz="1800" kern="0" dirty="0">
+                <a:solidFill>
+                  <a:schemeClr val="accent2"/>
+                </a:solidFill>
+                <a:latin typeface="Courier New" panose="02070309020205020404" pitchFamily="49" charset="0"/>
+              </a:rPr>
+              <a:t> = {'jack': 4098, '</a:t>
+            </a:r>
+            <a:r>
+              <a:rPr lang="en-GB" altLang="fr-FR" sz="1800" kern="0" dirty="0" err="1">
+                <a:solidFill>
+                  <a:schemeClr val="accent2"/>
+                </a:solidFill>
+                <a:latin typeface="Courier New" panose="02070309020205020404" pitchFamily="49" charset="0"/>
+              </a:rPr>
+              <a:t>sape</a:t>
+            </a:r>
+            <a:r>
+              <a:rPr lang="en-GB" altLang="fr-FR" sz="1800" kern="0" dirty="0">
+                <a:solidFill>
+                  <a:schemeClr val="accent2"/>
+                </a:solidFill>
+                <a:latin typeface="Courier New" panose="02070309020205020404" pitchFamily="49" charset="0"/>
+              </a:rPr>
+              <a:t>': 4139}       	&gt;&gt;&gt; </a:t>
+            </a:r>
+            <a:r>
+              <a:rPr lang="en-GB" altLang="fr-FR" sz="1800" kern="0" dirty="0" err="1">
+                <a:solidFill>
+                  <a:schemeClr val="accent2"/>
+                </a:solidFill>
+                <a:latin typeface="Courier New" panose="02070309020205020404" pitchFamily="49" charset="0"/>
+              </a:rPr>
+              <a:t>tel</a:t>
+            </a:r>
+            <a:r>
+              <a:rPr lang="en-GB" altLang="fr-FR" sz="1800" kern="0" dirty="0">
+                <a:solidFill>
+                  <a:schemeClr val="accent2"/>
+                </a:solidFill>
+                <a:latin typeface="Courier New" panose="02070309020205020404" pitchFamily="49" charset="0"/>
+              </a:rPr>
+              <a:t>['</a:t>
+            </a:r>
+            <a:r>
+              <a:rPr lang="en-GB" altLang="fr-FR" sz="1800" kern="0" dirty="0" err="1">
+                <a:solidFill>
+                  <a:schemeClr val="accent2"/>
+                </a:solidFill>
+                <a:latin typeface="Courier New" panose="02070309020205020404" pitchFamily="49" charset="0"/>
+              </a:rPr>
+              <a:t>guido</a:t>
+            </a:r>
+            <a:r>
+              <a:rPr lang="en-GB" altLang="fr-FR" sz="1800" kern="0" dirty="0">
+                <a:solidFill>
+                  <a:schemeClr val="accent2"/>
+                </a:solidFill>
+                <a:latin typeface="Courier New" panose="02070309020205020404" pitchFamily="49" charset="0"/>
+              </a:rPr>
+              <a:t>'] = 4127				&gt;&gt;&gt; </a:t>
+            </a:r>
+            <a:r>
+              <a:rPr lang="en-GB" altLang="fr-FR" sz="1800" kern="0" dirty="0" err="1">
+                <a:solidFill>
+                  <a:schemeClr val="accent2"/>
+                </a:solidFill>
+                <a:latin typeface="Courier New" panose="02070309020205020404" pitchFamily="49" charset="0"/>
+              </a:rPr>
+              <a:t>tel</a:t>
+            </a:r>
+            <a:r>
+              <a:rPr lang="en-GB" altLang="fr-FR" sz="1800" kern="0" dirty="0">
+                <a:solidFill>
+                  <a:schemeClr val="accent2"/>
+                </a:solidFill>
+                <a:latin typeface="Courier New" panose="02070309020205020404" pitchFamily="49" charset="0"/>
+              </a:rPr>
+              <a:t>							{'</a:t>
+            </a:r>
+            <a:r>
+              <a:rPr lang="en-GB" altLang="fr-FR" sz="1800" kern="0" dirty="0" err="1">
+                <a:solidFill>
+                  <a:schemeClr val="accent2"/>
+                </a:solidFill>
+                <a:latin typeface="Courier New" panose="02070309020205020404" pitchFamily="49" charset="0"/>
+              </a:rPr>
+              <a:t>sape</a:t>
+            </a:r>
+            <a:r>
+              <a:rPr lang="en-GB" altLang="fr-FR" sz="1800" kern="0" dirty="0">
+                <a:solidFill>
+                  <a:schemeClr val="accent2"/>
+                </a:solidFill>
+                <a:latin typeface="Courier New" panose="02070309020205020404" pitchFamily="49" charset="0"/>
+              </a:rPr>
+              <a:t>': 4139, '</a:t>
+            </a:r>
+            <a:r>
+              <a:rPr lang="en-GB" altLang="fr-FR" sz="1800" kern="0" dirty="0" err="1">
+                <a:solidFill>
+                  <a:schemeClr val="accent2"/>
+                </a:solidFill>
+                <a:latin typeface="Courier New" panose="02070309020205020404" pitchFamily="49" charset="0"/>
+              </a:rPr>
+              <a:t>guido</a:t>
+            </a:r>
+            <a:r>
+              <a:rPr lang="en-GB" altLang="fr-FR" sz="1800" kern="0" dirty="0">
+                <a:solidFill>
+                  <a:schemeClr val="accent2"/>
+                </a:solidFill>
+                <a:latin typeface="Courier New" panose="02070309020205020404" pitchFamily="49" charset="0"/>
+              </a:rPr>
+              <a:t>': 4127, 'jack': 4098}	&gt;&gt;&gt; </a:t>
+            </a:r>
+            <a:r>
+              <a:rPr lang="en-GB" altLang="fr-FR" sz="1800" kern="0" dirty="0" err="1">
+                <a:solidFill>
+                  <a:schemeClr val="accent2"/>
+                </a:solidFill>
+                <a:latin typeface="Courier New" panose="02070309020205020404" pitchFamily="49" charset="0"/>
+              </a:rPr>
+              <a:t>tel</a:t>
+            </a:r>
+            <a:r>
+              <a:rPr lang="en-GB" altLang="fr-FR" sz="1800" kern="0" dirty="0">
+                <a:solidFill>
+                  <a:schemeClr val="accent2"/>
+                </a:solidFill>
+                <a:latin typeface="Courier New" panose="02070309020205020404" pitchFamily="49" charset="0"/>
+              </a:rPr>
+              <a:t>['jack']						4098							&gt;&gt;&gt; del </a:t>
+            </a:r>
+            <a:r>
+              <a:rPr lang="en-GB" altLang="fr-FR" sz="1800" kern="0" dirty="0" err="1">
+                <a:solidFill>
+                  <a:schemeClr val="accent2"/>
+                </a:solidFill>
+                <a:latin typeface="Courier New" panose="02070309020205020404" pitchFamily="49" charset="0"/>
+              </a:rPr>
+              <a:t>tel</a:t>
+            </a:r>
+            <a:r>
+              <a:rPr lang="en-GB" altLang="fr-FR" sz="1800" kern="0" dirty="0">
+                <a:solidFill>
+                  <a:schemeClr val="accent2"/>
+                </a:solidFill>
+                <a:latin typeface="Courier New" panose="02070309020205020404" pitchFamily="49" charset="0"/>
+              </a:rPr>
+              <a:t>['</a:t>
+            </a:r>
+            <a:r>
+              <a:rPr lang="en-GB" altLang="fr-FR" sz="1800" kern="0" dirty="0" err="1">
+                <a:solidFill>
+                  <a:schemeClr val="accent2"/>
+                </a:solidFill>
+                <a:latin typeface="Courier New" panose="02070309020205020404" pitchFamily="49" charset="0"/>
+              </a:rPr>
+              <a:t>sape</a:t>
+            </a:r>
+            <a:r>
+              <a:rPr lang="en-GB" altLang="fr-FR" sz="1800" kern="0" dirty="0">
+                <a:solidFill>
+                  <a:schemeClr val="accent2"/>
+                </a:solidFill>
+                <a:latin typeface="Courier New" panose="02070309020205020404" pitchFamily="49" charset="0"/>
+              </a:rPr>
+              <a:t>']					&gt;&gt;&gt; </a:t>
+            </a:r>
+            <a:r>
+              <a:rPr lang="en-GB" altLang="fr-FR" sz="1800" kern="0" dirty="0" err="1">
+                <a:solidFill>
+                  <a:schemeClr val="accent2"/>
+                </a:solidFill>
+                <a:latin typeface="Courier New" panose="02070309020205020404" pitchFamily="49" charset="0"/>
+              </a:rPr>
+              <a:t>tel</a:t>
+            </a:r>
+            <a:r>
+              <a:rPr lang="en-GB" altLang="fr-FR" sz="1800" kern="0" dirty="0">
+                <a:solidFill>
+                  <a:schemeClr val="accent2"/>
+                </a:solidFill>
+                <a:latin typeface="Courier New" panose="02070309020205020404" pitchFamily="49" charset="0"/>
+              </a:rPr>
+              <a:t>['</a:t>
+            </a:r>
+            <a:r>
+              <a:rPr lang="en-GB" altLang="fr-FR" sz="1800" kern="0" dirty="0" err="1">
+                <a:solidFill>
+                  <a:schemeClr val="accent2"/>
+                </a:solidFill>
+                <a:latin typeface="Courier New" panose="02070309020205020404" pitchFamily="49" charset="0"/>
+              </a:rPr>
+              <a:t>irv</a:t>
+            </a:r>
+            <a:r>
+              <a:rPr lang="en-GB" altLang="fr-FR" sz="1800" kern="0" dirty="0">
+                <a:solidFill>
+                  <a:schemeClr val="accent2"/>
+                </a:solidFill>
+                <a:latin typeface="Courier New" panose="02070309020205020404" pitchFamily="49" charset="0"/>
+              </a:rPr>
+              <a:t>'] = 4127					&gt;&gt;&gt; </a:t>
+            </a:r>
+            <a:r>
+              <a:rPr lang="en-GB" altLang="fr-FR" sz="1800" kern="0" dirty="0" err="1">
+                <a:solidFill>
+                  <a:schemeClr val="accent2"/>
+                </a:solidFill>
+                <a:latin typeface="Courier New" panose="02070309020205020404" pitchFamily="49" charset="0"/>
+              </a:rPr>
+              <a:t>tel</a:t>
+            </a:r>
+            <a:r>
+              <a:rPr lang="en-GB" altLang="fr-FR" sz="1800" kern="0" dirty="0">
+                <a:solidFill>
+                  <a:schemeClr val="accent2"/>
+                </a:solidFill>
+                <a:latin typeface="Courier New" panose="02070309020205020404" pitchFamily="49" charset="0"/>
+              </a:rPr>
+              <a:t>							{'</a:t>
+            </a:r>
+            <a:r>
+              <a:rPr lang="en-GB" altLang="fr-FR" sz="1800" kern="0" dirty="0" err="1">
+                <a:solidFill>
+                  <a:schemeClr val="accent2"/>
+                </a:solidFill>
+                <a:latin typeface="Courier New" panose="02070309020205020404" pitchFamily="49" charset="0"/>
+              </a:rPr>
+              <a:t>guido</a:t>
+            </a:r>
+            <a:r>
+              <a:rPr lang="en-GB" altLang="fr-FR" sz="1800" kern="0" dirty="0">
+                <a:solidFill>
+                  <a:schemeClr val="accent2"/>
+                </a:solidFill>
+                <a:latin typeface="Courier New" panose="02070309020205020404" pitchFamily="49" charset="0"/>
+              </a:rPr>
+              <a:t>': 4127, '</a:t>
+            </a:r>
+            <a:r>
+              <a:rPr lang="en-GB" altLang="fr-FR" sz="1800" kern="0" dirty="0" err="1">
+                <a:solidFill>
+                  <a:schemeClr val="accent2"/>
+                </a:solidFill>
+                <a:latin typeface="Courier New" panose="02070309020205020404" pitchFamily="49" charset="0"/>
+              </a:rPr>
+              <a:t>irv</a:t>
+            </a:r>
+            <a:r>
+              <a:rPr lang="en-GB" altLang="fr-FR" sz="1800" kern="0" dirty="0">
+                <a:solidFill>
+                  <a:schemeClr val="accent2"/>
+                </a:solidFill>
+                <a:latin typeface="Courier New" panose="02070309020205020404" pitchFamily="49" charset="0"/>
+              </a:rPr>
+              <a:t>': 4127, 'jack': 4098}	&gt;&gt;&gt; </a:t>
+            </a:r>
+            <a:r>
+              <a:rPr lang="en-GB" altLang="fr-FR" sz="1800" kern="0" dirty="0" err="1">
+                <a:solidFill>
+                  <a:schemeClr val="accent2"/>
+                </a:solidFill>
+                <a:latin typeface="Courier New" panose="02070309020205020404" pitchFamily="49" charset="0"/>
+              </a:rPr>
+              <a:t>tel.keys</a:t>
+            </a:r>
+            <a:r>
+              <a:rPr lang="en-GB" altLang="fr-FR" sz="1800" kern="0" dirty="0">
+                <a:solidFill>
+                  <a:schemeClr val="accent2"/>
+                </a:solidFill>
+                <a:latin typeface="Courier New" panose="02070309020205020404" pitchFamily="49" charset="0"/>
+              </a:rPr>
+              <a:t>()						['</a:t>
+            </a:r>
+            <a:r>
+              <a:rPr lang="en-GB" altLang="fr-FR" sz="1800" kern="0" dirty="0" err="1">
+                <a:solidFill>
+                  <a:schemeClr val="accent2"/>
+                </a:solidFill>
+                <a:latin typeface="Courier New" panose="02070309020205020404" pitchFamily="49" charset="0"/>
+              </a:rPr>
+              <a:t>guido</a:t>
+            </a:r>
+            <a:r>
+              <a:rPr lang="en-GB" altLang="fr-FR" sz="1800" kern="0" dirty="0">
+                <a:solidFill>
+                  <a:schemeClr val="accent2"/>
+                </a:solidFill>
+                <a:latin typeface="Courier New" panose="02070309020205020404" pitchFamily="49" charset="0"/>
+              </a:rPr>
+              <a:t>', '</a:t>
+            </a:r>
+            <a:r>
+              <a:rPr lang="en-GB" altLang="fr-FR" sz="1800" kern="0" dirty="0" err="1">
+                <a:solidFill>
+                  <a:schemeClr val="accent2"/>
+                </a:solidFill>
+                <a:latin typeface="Courier New" panose="02070309020205020404" pitchFamily="49" charset="0"/>
+              </a:rPr>
+              <a:t>irv</a:t>
+            </a:r>
+            <a:r>
+              <a:rPr lang="en-GB" altLang="fr-FR" sz="1800" kern="0" dirty="0">
+                <a:solidFill>
+                  <a:schemeClr val="accent2"/>
+                </a:solidFill>
+                <a:latin typeface="Courier New" panose="02070309020205020404" pitchFamily="49" charset="0"/>
+              </a:rPr>
+              <a:t>', 'jack']				&gt;&gt;&gt; </a:t>
+            </a:r>
+            <a:r>
+              <a:rPr lang="en-GB" altLang="fr-FR" sz="1800" kern="0" dirty="0" err="1">
+                <a:solidFill>
+                  <a:schemeClr val="accent2"/>
+                </a:solidFill>
+                <a:latin typeface="Courier New" panose="02070309020205020404" pitchFamily="49" charset="0"/>
+              </a:rPr>
+              <a:t>tel.has_key</a:t>
+            </a:r>
+            <a:r>
+              <a:rPr lang="en-GB" altLang="fr-FR" sz="1800" kern="0" dirty="0">
+                <a:solidFill>
+                  <a:schemeClr val="accent2"/>
+                </a:solidFill>
+                <a:latin typeface="Courier New" panose="02070309020205020404" pitchFamily="49" charset="0"/>
+              </a:rPr>
+              <a:t>('</a:t>
+            </a:r>
+            <a:r>
+              <a:rPr lang="en-GB" altLang="fr-FR" sz="1800" kern="0" dirty="0" err="1">
+                <a:solidFill>
+                  <a:schemeClr val="accent2"/>
+                </a:solidFill>
+                <a:latin typeface="Courier New" panose="02070309020205020404" pitchFamily="49" charset="0"/>
+              </a:rPr>
+              <a:t>guido</a:t>
+            </a:r>
+            <a:r>
+              <a:rPr lang="en-GB" altLang="fr-FR" sz="1800" kern="0" dirty="0">
+                <a:solidFill>
+                  <a:schemeClr val="accent2"/>
+                </a:solidFill>
+                <a:latin typeface="Courier New" panose="02070309020205020404" pitchFamily="49" charset="0"/>
+              </a:rPr>
+              <a:t>')			       	1</a:t>
             </a:r>
           </a:p>
           <a:p>
             <a:pPr eaLnBrk="1" hangingPunct="1"/>
-            <a:endParaRPr lang="en-GB" altLang="fr-FR" sz="1800" kern="0" smtClean="0">
+            <a:endParaRPr lang="en-GB" altLang="fr-FR" sz="1800" kern="0" dirty="0">
               <a:solidFill>
                 <a:schemeClr val="accent2"/>
               </a:solidFill>
@@ -12148,7 +12334,7 @@
           </a:p>
           <a:p>
             <a:pPr eaLnBrk="1" hangingPunct="1"/>
-            <a:endParaRPr lang="en-GB" altLang="fr-FR" sz="1800" kern="0" smtClean="0">
+            <a:endParaRPr lang="en-GB" altLang="fr-FR" sz="1800" kern="0" dirty="0">
               <a:solidFill>
                 <a:schemeClr val="accent2"/>
               </a:solidFill>
@@ -12156,7 +12342,7 @@
           </a:p>
           <a:p>
             <a:pPr eaLnBrk="1" hangingPunct="1"/>
-            <a:endParaRPr lang="en-GB" altLang="fr-FR" sz="1800" kern="0" smtClean="0">
+            <a:endParaRPr lang="en-GB" altLang="fr-FR" sz="1800" kern="0" dirty="0">
               <a:solidFill>
                 <a:schemeClr val="accent2"/>
               </a:solidFill>
@@ -12164,7 +12350,7 @@
           </a:p>
           <a:p>
             <a:pPr eaLnBrk="1" hangingPunct="1"/>
-            <a:endParaRPr lang="en-GB" altLang="fr-FR" sz="1800" kern="0" smtClean="0">
+            <a:endParaRPr lang="en-GB" altLang="fr-FR" sz="1800" kern="0" dirty="0">
               <a:solidFill>
                 <a:schemeClr val="accent2"/>
               </a:solidFill>
@@ -12172,7 +12358,7 @@
           </a:p>
           <a:p>
             <a:pPr eaLnBrk="1" hangingPunct="1"/>
-            <a:endParaRPr lang="en-GB" altLang="fr-FR" sz="1800" kern="0" smtClean="0">
+            <a:endParaRPr lang="en-GB" altLang="fr-FR" sz="1800" kern="0" dirty="0">
               <a:solidFill>
                 <a:schemeClr val="accent2"/>
               </a:solidFill>
@@ -12180,7 +12366,7 @@
           </a:p>
           <a:p>
             <a:pPr eaLnBrk="1" hangingPunct="1"/>
-            <a:endParaRPr lang="en-GB" altLang="fr-FR" sz="1800" kern="0" dirty="0" smtClean="0">
+            <a:endParaRPr lang="en-GB" altLang="fr-FR" sz="1800" kern="0" dirty="0">
               <a:solidFill>
                 <a:schemeClr val="accent2"/>
               </a:solidFill>
@@ -12331,10 +12517,9 @@
           <a:lstStyle/>
           <a:p>
             <a:r>
-              <a:rPr lang="fr-FR" dirty="0" smtClean="0"/>
+              <a:rPr lang="fr-FR" dirty="0"/>
               <a:t>zip</a:t>
             </a:r>
-            <a:endParaRPr lang="fr-FR" dirty="0"/>
           </a:p>
         </p:txBody>
       </p:sp>
@@ -12354,14 +12539,14 @@
           <a:lstStyle/>
           <a:p>
             <a:r>
-              <a:rPr lang="fr-FR" dirty="0" smtClean="0"/>
+              <a:rPr lang="fr-FR" dirty="0"/>
               <a:t>Permet de lier 2 listes en une liste de </a:t>
             </a:r>
             <a:r>
-              <a:rPr lang="fr-FR" dirty="0" err="1" smtClean="0"/>
+              <a:rPr lang="fr-FR" dirty="0" err="1"/>
               <a:t>tuples</a:t>
             </a:r>
-            <a:endParaRPr lang="fr-FR" dirty="0" smtClean="0"/>
+            <a:endParaRPr lang="fr-FR" dirty="0"/>
           </a:p>
           <a:p>
             <a:pPr lvl="1"/>
@@ -12373,27 +12558,19 @@
           <a:p>
             <a:pPr lvl="1"/>
             <a:r>
-              <a:rPr lang="es-ES" dirty="0" smtClean="0"/>
-              <a:t>y </a:t>
-            </a:r>
-            <a:r>
               <a:rPr lang="es-ES" dirty="0"/>
-              <a:t>= [4, 5, 6]</a:t>
+              <a:t>y = [4, 5, 6]</a:t>
             </a:r>
           </a:p>
           <a:p>
             <a:pPr lvl="1"/>
             <a:r>
-              <a:rPr lang="es-ES" dirty="0" err="1" smtClean="0"/>
+              <a:rPr lang="es-ES" dirty="0" err="1"/>
               <a:t>zipped</a:t>
             </a:r>
             <a:r>
-              <a:rPr lang="es-ES" dirty="0" smtClean="0"/>
-              <a:t> </a:t>
-            </a:r>
-            <a:r>
               <a:rPr lang="es-ES" dirty="0"/>
-              <a:t>= </a:t>
+              <a:t> = </a:t>
             </a:r>
             <a:r>
               <a:rPr lang="es-ES" dirty="0" err="1"/>
@@ -12407,148 +12584,121 @@
           <a:p>
             <a:pPr lvl="1"/>
             <a:r>
-              <a:rPr lang="es-ES" dirty="0" smtClean="0"/>
-              <a:t># [(</a:t>
-            </a:r>
-            <a:r>
               <a:rPr lang="es-ES" dirty="0"/>
-              <a:t>1, 4), (2, 5), (3, 6</a:t>
-            </a:r>
-            <a:r>
-              <a:rPr lang="es-ES" dirty="0" smtClean="0"/>
-              <a:t>)]</a:t>
-            </a:r>
-          </a:p>
-          <a:p>
-            <a:r>
-              <a:rPr lang="es-ES" dirty="0" err="1" smtClean="0"/>
+              <a:t># [(1, 4), (2, 5), (3, 6)]</a:t>
+            </a:r>
+          </a:p>
+          <a:p>
+            <a:r>
+              <a:rPr lang="es-ES" dirty="0" err="1"/>
               <a:t>Utilise</a:t>
             </a:r>
             <a:r>
-              <a:rPr lang="es-ES" dirty="0" smtClean="0"/>
+              <a:rPr lang="es-ES" dirty="0"/>
               <a:t> </a:t>
             </a:r>
             <a:r>
-              <a:rPr lang="es-ES" dirty="0" err="1" smtClean="0"/>
+              <a:rPr lang="es-ES" dirty="0" err="1"/>
               <a:t>pour</a:t>
             </a:r>
             <a:r>
-              <a:rPr lang="es-ES" dirty="0" smtClean="0"/>
+              <a:rPr lang="es-ES" dirty="0"/>
               <a:t> </a:t>
             </a:r>
             <a:r>
-              <a:rPr lang="es-ES" dirty="0" err="1" smtClean="0"/>
+              <a:rPr lang="es-ES" dirty="0" err="1"/>
               <a:t>retourner</a:t>
             </a:r>
             <a:r>
-              <a:rPr lang="es-ES" dirty="0" smtClean="0"/>
+              <a:rPr lang="es-ES" dirty="0"/>
               <a:t> des </a:t>
             </a:r>
             <a:r>
-              <a:rPr lang="es-ES" dirty="0" err="1" smtClean="0"/>
+              <a:rPr lang="es-ES" dirty="0" err="1"/>
               <a:t>tuples</a:t>
             </a:r>
             <a:r>
-              <a:rPr lang="es-ES" dirty="0" smtClean="0"/>
+              <a:rPr lang="es-ES" dirty="0"/>
               <a:t> </a:t>
             </a:r>
             <a:r>
-              <a:rPr lang="es-ES" dirty="0" err="1" smtClean="0"/>
+              <a:rPr lang="es-ES" dirty="0" err="1"/>
               <a:t>clés</a:t>
             </a:r>
             <a:r>
-              <a:rPr lang="es-ES" dirty="0" smtClean="0"/>
+              <a:rPr lang="es-ES" dirty="0"/>
               <a:t> </a:t>
             </a:r>
             <a:r>
-              <a:rPr lang="es-ES" dirty="0" err="1" smtClean="0"/>
+              <a:rPr lang="es-ES" dirty="0" err="1"/>
               <a:t>valeurs</a:t>
             </a:r>
-            <a:endParaRPr lang="es-ES" dirty="0" smtClean="0"/>
+            <a:endParaRPr lang="es-ES" dirty="0"/>
           </a:p>
           <a:p>
             <a:pPr lvl="1"/>
             <a:r>
-              <a:rPr lang="es-ES" dirty="0" err="1" smtClean="0"/>
+              <a:rPr lang="es-ES" dirty="0" err="1"/>
               <a:t>keys</a:t>
             </a:r>
             <a:r>
-              <a:rPr lang="es-ES" dirty="0" smtClean="0"/>
-              <a:t> </a:t>
-            </a:r>
-            <a:r>
               <a:rPr lang="es-ES" dirty="0"/>
-              <a:t>= </a:t>
-            </a:r>
-            <a:r>
-              <a:rPr lang="es-ES" dirty="0" smtClean="0"/>
-              <a:t>[“París”, “London”, “</a:t>
-            </a:r>
-            <a:r>
-              <a:rPr lang="es-ES" dirty="0" err="1" smtClean="0"/>
+              <a:t> = [“París”, “London”, “</a:t>
+            </a:r>
+            <a:r>
+              <a:rPr lang="es-ES" dirty="0" err="1"/>
               <a:t>Berlin</a:t>
             </a:r>
             <a:r>
-              <a:rPr lang="es-ES" dirty="0" smtClean="0"/>
+              <a:rPr lang="es-ES" dirty="0"/>
               <a:t>”]</a:t>
             </a:r>
-            <a:endParaRPr lang="es-ES" dirty="0"/>
           </a:p>
           <a:p>
             <a:pPr lvl="1"/>
             <a:r>
-              <a:rPr lang="es-ES" dirty="0" err="1" smtClean="0"/>
+              <a:rPr lang="es-ES" dirty="0" err="1"/>
               <a:t>values</a:t>
             </a:r>
             <a:r>
-              <a:rPr lang="es-ES" dirty="0" smtClean="0"/>
-              <a:t> </a:t>
-            </a:r>
-            <a:r>
               <a:rPr lang="es-ES" dirty="0"/>
-              <a:t>= </a:t>
-            </a:r>
-            <a:r>
-              <a:rPr lang="es-ES" dirty="0" smtClean="0"/>
-              <a:t>[19, 15, 22]</a:t>
-            </a:r>
-            <a:endParaRPr lang="es-ES" dirty="0"/>
+              <a:t> = [19, 15, 22]</a:t>
+            </a:r>
           </a:p>
           <a:p>
             <a:pPr lvl="1"/>
             <a:r>
-              <a:rPr lang="es-ES" dirty="0" err="1" smtClean="0"/>
+              <a:rPr lang="es-ES" dirty="0" err="1"/>
               <a:t>temperatures</a:t>
             </a:r>
             <a:r>
-              <a:rPr lang="es-ES" dirty="0" smtClean="0"/>
+              <a:rPr lang="es-ES" dirty="0"/>
               <a:t> = </a:t>
             </a:r>
             <a:r>
-              <a:rPr lang="es-ES" dirty="0" err="1" smtClean="0"/>
+              <a:rPr lang="es-ES" dirty="0" err="1"/>
               <a:t>zip</a:t>
             </a:r>
             <a:r>
-              <a:rPr lang="es-ES" dirty="0" smtClean="0"/>
+              <a:rPr lang="es-ES" dirty="0"/>
               <a:t>(</a:t>
             </a:r>
             <a:r>
-              <a:rPr lang="es-ES" dirty="0" err="1" smtClean="0"/>
+              <a:rPr lang="es-ES" dirty="0" err="1"/>
               <a:t>keys</a:t>
             </a:r>
             <a:r>
-              <a:rPr lang="es-ES" dirty="0" smtClean="0"/>
+              <a:rPr lang="es-ES" dirty="0"/>
               <a:t>, </a:t>
             </a:r>
             <a:r>
-              <a:rPr lang="es-ES" dirty="0" err="1" smtClean="0"/>
+              <a:rPr lang="es-ES" dirty="0" err="1"/>
               <a:t>values</a:t>
             </a:r>
             <a:r>
-              <a:rPr lang="es-ES" dirty="0" smtClean="0"/>
+              <a:rPr lang="es-ES" dirty="0"/>
               <a:t>)</a:t>
             </a:r>
-            <a:endParaRPr lang="es-ES" dirty="0"/>
           </a:p>
           <a:p>
             <a:pPr lvl="1"/>
@@ -12602,7 +12752,7 @@
           <a:lstStyle/>
           <a:p>
             <a:r>
-              <a:rPr lang="fr-FR" dirty="0" err="1" smtClean="0"/>
+              <a:rPr lang="fr-FR" dirty="0" err="1"/>
               <a:t>Iterator</a:t>
             </a:r>
             <a:endParaRPr lang="fr-FR" dirty="0"/>
@@ -12625,69 +12775,69 @@
           <a:lstStyle/>
           <a:p>
             <a:r>
-              <a:rPr lang="fr-FR" dirty="0" smtClean="0"/>
+              <a:rPr lang="fr-FR" dirty="0"/>
               <a:t>Les listes, listes en intentions, générateurs, </a:t>
             </a:r>
             <a:r>
-              <a:rPr lang="fr-FR" dirty="0" err="1" smtClean="0"/>
+              <a:rPr lang="fr-FR" dirty="0" err="1"/>
               <a:t>tuples</a:t>
             </a:r>
             <a:r>
-              <a:rPr lang="fr-FR" dirty="0" smtClean="0"/>
+              <a:rPr lang="fr-FR" dirty="0"/>
               <a:t> et clés de dictionnaires sont des </a:t>
             </a:r>
             <a:r>
-              <a:rPr lang="fr-FR" dirty="0" err="1" smtClean="0"/>
+              <a:rPr lang="fr-FR" dirty="0" err="1"/>
               <a:t>itérateurs</a:t>
             </a:r>
-            <a:endParaRPr lang="fr-FR" dirty="0" smtClean="0"/>
-          </a:p>
-          <a:p>
-            <a:r>
-              <a:rPr lang="fr-FR" dirty="0" err="1" smtClean="0"/>
+            <a:endParaRPr lang="fr-FR" dirty="0"/>
+          </a:p>
+          <a:p>
+            <a:r>
+              <a:rPr lang="fr-FR" dirty="0" err="1"/>
               <a:t>Iterator</a:t>
             </a:r>
-            <a:endParaRPr lang="fr-FR" dirty="0" smtClean="0"/>
-          </a:p>
-          <a:p>
-            <a:r>
-              <a:rPr lang="fr-FR" dirty="0" smtClean="0"/>
+            <a:endParaRPr lang="fr-FR" dirty="0"/>
+          </a:p>
+          <a:p>
+            <a:r>
+              <a:rPr lang="fr-FR" dirty="0"/>
               <a:t>Possibilités de faire des for</a:t>
             </a:r>
           </a:p>
           <a:p>
             <a:pPr lvl="1"/>
             <a:r>
-              <a:rPr lang="fr-FR" dirty="0" smtClean="0"/>
+              <a:rPr lang="fr-FR" dirty="0"/>
               <a:t>Méthodes __</a:t>
             </a:r>
             <a:r>
-              <a:rPr lang="fr-FR" dirty="0" err="1" smtClean="0"/>
+              <a:rPr lang="fr-FR" dirty="0" err="1"/>
               <a:t>iter</a:t>
             </a:r>
             <a:r>
-              <a:rPr lang="fr-FR" dirty="0" smtClean="0"/>
+              <a:rPr lang="fr-FR" dirty="0"/>
               <a:t>__() et </a:t>
             </a:r>
             <a:r>
-              <a:rPr lang="fr-FR" dirty="0" err="1" smtClean="0"/>
+              <a:rPr lang="fr-FR" dirty="0" err="1"/>
               <a:t>next</a:t>
             </a:r>
             <a:r>
-              <a:rPr lang="fr-FR" dirty="0" smtClean="0"/>
+              <a:rPr lang="fr-FR" dirty="0"/>
               <a:t>()</a:t>
             </a:r>
           </a:p>
           <a:p>
             <a:r>
-              <a:rPr lang="fr-FR" dirty="0" smtClean="0"/>
+              <a:rPr lang="fr-FR" dirty="0"/>
               <a:t>Tous les types complexes dérivent de </a:t>
             </a:r>
             <a:r>
-              <a:rPr lang="fr-FR" dirty="0" err="1" smtClean="0"/>
+              <a:rPr lang="fr-FR" dirty="0" err="1"/>
               <a:t>Iterator</a:t>
             </a:r>
-            <a:endParaRPr lang="fr-FR" dirty="0" smtClean="0"/>
+            <a:endParaRPr lang="fr-FR" dirty="0"/>
           </a:p>
           <a:p>
             <a:endParaRPr lang="fr-FR" dirty="0"/>
@@ -12740,10 +12890,9 @@
           <a:lstStyle/>
           <a:p>
             <a:r>
-              <a:rPr lang="fr-FR" dirty="0" smtClean="0"/>
+              <a:rPr lang="fr-FR" dirty="0"/>
               <a:t>Opérations de liste</a:t>
             </a:r>
-            <a:endParaRPr lang="fr-FR" dirty="0"/>
           </a:p>
         </p:txBody>
       </p:sp>
@@ -12936,10 +13085,9 @@
           <a:lstStyle/>
           <a:p>
             <a:r>
-              <a:rPr lang="fr-FR" dirty="0" smtClean="0"/>
+              <a:rPr lang="fr-FR" dirty="0"/>
               <a:t>Exemples</a:t>
             </a:r>
-            <a:endParaRPr lang="fr-FR" dirty="0"/>
           </a:p>
         </p:txBody>
       </p:sp>
@@ -13142,7 +13290,7 @@
               </a:spcBef>
             </a:pPr>
             <a:r>
-              <a:rPr lang="en-GB" altLang="fr-FR" sz="1800" kern="0" dirty="0" smtClean="0">
+              <a:rPr lang="en-GB" altLang="fr-FR" sz="1800" kern="0" dirty="0">
                 <a:solidFill>
                   <a:schemeClr val="accent2"/>
                 </a:solidFill>
@@ -13160,7 +13308,7 @@
               </a:spcBef>
             </a:pPr>
             <a:r>
-              <a:rPr lang="en-GB" altLang="fr-FR" sz="1800" kern="0" dirty="0" smtClean="0">
+              <a:rPr lang="en-GB" altLang="fr-FR" sz="1800" kern="0" dirty="0">
                 <a:solidFill>
                   <a:schemeClr val="accent2"/>
                 </a:solidFill>
@@ -13178,7 +13326,7 @@
               </a:spcBef>
             </a:pPr>
             <a:r>
-              <a:rPr lang="en-GB" altLang="fr-FR" sz="1800" kern="0" dirty="0" smtClean="0">
+              <a:rPr lang="en-GB" altLang="fr-FR" sz="1800" kern="0" dirty="0">
                 <a:solidFill>
                   <a:schemeClr val="accent2"/>
                 </a:solidFill>
@@ -13196,7 +13344,7 @@
               </a:spcBef>
             </a:pPr>
             <a:r>
-              <a:rPr lang="en-GB" altLang="fr-FR" sz="1800" kern="0" dirty="0" smtClean="0">
+              <a:rPr lang="en-GB" altLang="fr-FR" sz="1800" kern="0" dirty="0">
                 <a:solidFill>
                   <a:schemeClr val="accent2"/>
                 </a:solidFill>
@@ -13214,7 +13362,7 @@
               </a:spcBef>
             </a:pPr>
             <a:r>
-              <a:rPr lang="en-GB" altLang="fr-FR" sz="1800" kern="0" dirty="0" smtClean="0">
+              <a:rPr lang="en-GB" altLang="fr-FR" sz="1800" kern="0" dirty="0">
                 <a:solidFill>
                   <a:schemeClr val="accent2"/>
                 </a:solidFill>
@@ -13232,7 +13380,7 @@
               </a:spcBef>
             </a:pPr>
             <a:r>
-              <a:rPr lang="en-GB" altLang="fr-FR" sz="1800" kern="0" dirty="0" smtClean="0">
+              <a:rPr lang="en-GB" altLang="fr-FR" sz="1800" kern="0" dirty="0">
                 <a:solidFill>
                   <a:schemeClr val="accent2"/>
                 </a:solidFill>
@@ -13250,7 +13398,7 @@
               </a:spcBef>
             </a:pPr>
             <a:r>
-              <a:rPr lang="en-GB" altLang="fr-FR" sz="1800" kern="0" dirty="0" smtClean="0">
+              <a:rPr lang="en-GB" altLang="fr-FR" sz="1800" kern="0" dirty="0">
                 <a:solidFill>
                   <a:schemeClr val="accent2"/>
                 </a:solidFill>
@@ -13268,7 +13416,7 @@
               </a:spcBef>
             </a:pPr>
             <a:r>
-              <a:rPr lang="en-GB" altLang="fr-FR" sz="1800" kern="0" dirty="0" smtClean="0">
+              <a:rPr lang="en-GB" altLang="fr-FR" sz="1800" kern="0" dirty="0">
                 <a:solidFill>
                   <a:schemeClr val="accent2"/>
                 </a:solidFill>
@@ -13286,7 +13434,7 @@
               </a:spcBef>
             </a:pPr>
             <a:r>
-              <a:rPr lang="en-GB" altLang="fr-FR" sz="1800" kern="0" dirty="0" smtClean="0">
+              <a:rPr lang="en-GB" altLang="fr-FR" sz="1800" kern="0" dirty="0">
                 <a:solidFill>
                   <a:schemeClr val="accent2"/>
                 </a:solidFill>
@@ -13304,7 +13452,7 @@
               </a:spcBef>
             </a:pPr>
             <a:r>
-              <a:rPr lang="en-GB" altLang="fr-FR" sz="1800" kern="0" dirty="0" smtClean="0">
+              <a:rPr lang="en-GB" altLang="fr-FR" sz="1800" kern="0" dirty="0">
                 <a:solidFill>
                   <a:schemeClr val="accent2"/>
                 </a:solidFill>
@@ -13322,7 +13470,7 @@
               </a:spcBef>
             </a:pPr>
             <a:r>
-              <a:rPr lang="en-GB" altLang="fr-FR" sz="1800" kern="0" dirty="0" smtClean="0">
+              <a:rPr lang="en-GB" altLang="fr-FR" sz="1800" kern="0" dirty="0">
                 <a:solidFill>
                   <a:schemeClr val="accent2"/>
                 </a:solidFill>
@@ -13340,7 +13488,7 @@
               </a:spcBef>
             </a:pPr>
             <a:r>
-              <a:rPr lang="en-GB" altLang="fr-FR" sz="1800" kern="0" dirty="0" smtClean="0">
+              <a:rPr lang="en-GB" altLang="fr-FR" sz="1800" kern="0" dirty="0">
                 <a:solidFill>
                   <a:schemeClr val="accent2"/>
                 </a:solidFill>
@@ -13358,7 +13506,7 @@
               </a:spcBef>
             </a:pPr>
             <a:r>
-              <a:rPr lang="en-GB" altLang="fr-FR" sz="1800" kern="0" dirty="0" smtClean="0">
+              <a:rPr lang="en-GB" altLang="fr-FR" sz="1800" kern="0" dirty="0">
                 <a:solidFill>
                   <a:schemeClr val="accent2"/>
                 </a:solidFill>
@@ -13376,7 +13524,7 @@
               </a:spcBef>
             </a:pPr>
             <a:r>
-              <a:rPr lang="en-GB" altLang="fr-FR" sz="1800" kern="0" dirty="0" smtClean="0">
+              <a:rPr lang="en-GB" altLang="fr-FR" sz="1800" kern="0" dirty="0">
                 <a:solidFill>
                   <a:schemeClr val="accent2"/>
                 </a:solidFill>
@@ -13384,7 +13532,7 @@
               <a:t>&gt;&gt;&gt; 3*a[:3] + ['</a:t>
             </a:r>
             <a:r>
-              <a:rPr lang="en-GB" altLang="fr-FR" sz="1800" kern="0" dirty="0" err="1" smtClean="0">
+              <a:rPr lang="en-GB" altLang="fr-FR" sz="1800" kern="0" dirty="0" err="1">
                 <a:solidFill>
                   <a:schemeClr val="accent2"/>
                 </a:solidFill>
@@ -13392,7 +13540,7 @@
               <a:t>Boe</a:t>
             </a:r>
             <a:r>
-              <a:rPr lang="en-GB" altLang="fr-FR" sz="1800" kern="0" dirty="0" smtClean="0">
+              <a:rPr lang="en-GB" altLang="fr-FR" sz="1800" kern="0" dirty="0">
                 <a:solidFill>
                   <a:schemeClr val="accent2"/>
                 </a:solidFill>
@@ -13410,7 +13558,7 @@
               </a:spcBef>
             </a:pPr>
             <a:r>
-              <a:rPr lang="en-GB" altLang="fr-FR" sz="1800" kern="0" dirty="0" smtClean="0">
+              <a:rPr lang="en-GB" altLang="fr-FR" sz="1800" kern="0" dirty="0">
                 <a:solidFill>
                   <a:schemeClr val="accent2"/>
                 </a:solidFill>
@@ -13418,7 +13566,7 @@
               <a:t>['spam', 'eggs', 100, 'spam', 'eggs', 100, 'spam', 'eggs', 100, '</a:t>
             </a:r>
             <a:r>
-              <a:rPr lang="en-GB" altLang="fr-FR" sz="1800" kern="0" dirty="0" err="1" smtClean="0">
+              <a:rPr lang="en-GB" altLang="fr-FR" sz="1800" kern="0" dirty="0" err="1">
                 <a:solidFill>
                   <a:schemeClr val="accent2"/>
                 </a:solidFill>
@@ -13426,7 +13574,7 @@
               <a:t>Boe</a:t>
             </a:r>
             <a:r>
-              <a:rPr lang="en-GB" altLang="fr-FR" sz="1800" kern="0" dirty="0" smtClean="0">
+              <a:rPr lang="en-GB" altLang="fr-FR" sz="1800" kern="0" dirty="0">
                 <a:solidFill>
                   <a:schemeClr val="accent2"/>
                 </a:solidFill>
@@ -13440,7 +13588,7 @@
                 <a:spcPct val="90000"/>
               </a:lnSpc>
             </a:pPr>
-            <a:endParaRPr lang="en-GB" altLang="fr-FR" sz="1800" kern="0" dirty="0" smtClean="0">
+            <a:endParaRPr lang="en-GB" altLang="fr-FR" sz="1800" kern="0" dirty="0">
               <a:solidFill>
                 <a:schemeClr val="accent2"/>
               </a:solidFill>
@@ -14193,10 +14341,9 @@
           <a:lstStyle/>
           <a:p>
             <a:r>
-              <a:rPr lang="fr-FR" dirty="0" smtClean="0"/>
+              <a:rPr lang="fr-FR" dirty="0"/>
               <a:t>Imbrication</a:t>
             </a:r>
-            <a:endParaRPr lang="fr-FR" dirty="0"/>
           </a:p>
         </p:txBody>
       </p:sp>
@@ -14399,15 +14546,15 @@
               </a:spcAft>
             </a:pPr>
             <a:r>
-              <a:rPr lang="en-GB" altLang="fr-FR" sz="2000" kern="0" smtClean="0"/>
+              <a:rPr lang="en-GB" altLang="fr-FR" sz="2000" kern="0"/>
               <a:t>L = ['abc', [(1,2), ([3], 4)], 5];</a:t>
             </a:r>
             <a:r>
-              <a:rPr lang="en-GB" altLang="fr-FR" kern="0" smtClean="0"/>
+              <a:rPr lang="en-GB" altLang="fr-FR" kern="0"/>
               <a:t> </a:t>
             </a:r>
             <a:r>
-              <a:rPr lang="en-GB" altLang="fr-FR" sz="1800" kern="0" smtClean="0"/>
+              <a:rPr lang="en-GB" altLang="fr-FR" sz="1800" kern="0"/>
               <a:t>ainsi, L[1] donnera [(1,2),([3],4)] et     L[1][1] donnera ([3],4) </a:t>
             </a:r>
           </a:p>
@@ -14420,11 +14567,11 @@
                 <a:spcPts val="500"/>
               </a:spcAft>
             </a:pPr>
-            <a:endParaRPr lang="en-GB" altLang="fr-FR" sz="1800" kern="0" smtClean="0"/>
+            <a:endParaRPr lang="en-GB" altLang="fr-FR" sz="1800" kern="0"/>
           </a:p>
           <a:p>
             <a:pPr eaLnBrk="1" hangingPunct="1"/>
-            <a:endParaRPr lang="en-GB" altLang="fr-FR" sz="1800" kern="0" dirty="0" smtClean="0"/>
+            <a:endParaRPr lang="en-GB" altLang="fr-FR" sz="1800" kern="0" dirty="0"/>
           </a:p>
         </p:txBody>
       </p:sp>
@@ -14663,10 +14810,9 @@
           <a:lstStyle/>
           <a:p>
             <a:r>
-              <a:rPr lang="fr-FR" dirty="0" smtClean="0"/>
+              <a:rPr lang="fr-FR" dirty="0"/>
               <a:t>Méthodes de liste</a:t>
             </a:r>
-            <a:endParaRPr lang="fr-FR" dirty="0"/>
           </a:p>
         </p:txBody>
       </p:sp>
@@ -15172,13 +15318,6 @@
   <p:clrMapOvr>
     <a:masterClrMapping/>
   </p:clrMapOvr>
-  <p:timing>
-    <p:tnLst>
-      <p:par>
-        <p:cTn id="1" dur="indefinite" restart="never" nodeType="tmRoot"/>
-      </p:par>
-    </p:tnLst>
-  </p:timing>
 </p:sld>
 </file>
 
@@ -15215,10 +15354,9 @@
           <a:lstStyle/>
           <a:p>
             <a:r>
-              <a:rPr lang="fr-FR" dirty="0" smtClean="0"/>
+              <a:rPr lang="fr-FR" dirty="0"/>
               <a:t>Méthodes de liste</a:t>
             </a:r>
-            <a:endParaRPr lang="fr-FR" dirty="0"/>
           </a:p>
         </p:txBody>
       </p:sp>
@@ -15410,13 +15548,6 @@
   <p:clrMapOvr>
     <a:masterClrMapping/>
   </p:clrMapOvr>
-  <p:timing>
-    <p:tnLst>
-      <p:par>
-        <p:cTn id="1" dur="indefinite" restart="never" nodeType="tmRoot"/>
-      </p:par>
-    </p:tnLst>
-  </p:timing>
 </p:sld>
 </file>
 
@@ -15453,10 +15584,9 @@
           <a:lstStyle/>
           <a:p>
             <a:r>
-              <a:rPr lang="fr-FR" dirty="0" smtClean="0"/>
+              <a:rPr lang="fr-FR" dirty="0"/>
               <a:t>Exemples de méthodes de liste</a:t>
             </a:r>
-            <a:endParaRPr lang="fr-FR" dirty="0"/>
           </a:p>
         </p:txBody>
       </p:sp>
@@ -15662,7 +15792,7 @@
               </a:spcAft>
             </a:pPr>
             <a:r>
-              <a:rPr lang="en-GB" altLang="fr-FR" sz="1800" kern="0" smtClean="0"/>
+              <a:rPr lang="en-GB" altLang="fr-FR" sz="1800" kern="0"/>
               <a:t>Un exemple qui utilise toutes les méthodes des listes: </a:t>
             </a:r>
           </a:p>
@@ -15676,7 +15806,7 @@
               </a:spcBef>
             </a:pPr>
             <a:r>
-              <a:rPr lang="en-GB" altLang="fr-FR" sz="1800" kern="0" smtClean="0">
+              <a:rPr lang="en-GB" altLang="fr-FR" sz="1800" kern="0">
                 <a:solidFill>
                   <a:schemeClr val="accent2"/>
                 </a:solidFill>
@@ -15695,7 +15825,7 @@
               </a:spcBef>
             </a:pPr>
             <a:r>
-              <a:rPr lang="en-GB" altLang="fr-FR" sz="1800" kern="0" smtClean="0">
+              <a:rPr lang="en-GB" altLang="fr-FR" sz="1800" kern="0">
                 <a:solidFill>
                   <a:schemeClr val="accent2"/>
                 </a:solidFill>
@@ -15714,7 +15844,7 @@
               </a:spcBef>
             </a:pPr>
             <a:r>
-              <a:rPr lang="en-GB" altLang="fr-FR" sz="1800" kern="0" smtClean="0">
+              <a:rPr lang="en-GB" altLang="fr-FR" sz="1800" kern="0">
                 <a:solidFill>
                   <a:schemeClr val="accent2"/>
                 </a:solidFill>
@@ -15733,7 +15863,7 @@
               </a:spcBef>
             </a:pPr>
             <a:r>
-              <a:rPr lang="en-GB" altLang="fr-FR" sz="1800" kern="0" smtClean="0">
+              <a:rPr lang="en-GB" altLang="fr-FR" sz="1800" kern="0">
                 <a:solidFill>
                   <a:schemeClr val="accent2"/>
                 </a:solidFill>
@@ -15752,7 +15882,7 @@
               </a:spcBef>
             </a:pPr>
             <a:r>
-              <a:rPr lang="en-GB" altLang="fr-FR" sz="1800" kern="0" smtClean="0">
+              <a:rPr lang="en-GB" altLang="fr-FR" sz="1800" kern="0">
                 <a:solidFill>
                   <a:schemeClr val="accent2"/>
                 </a:solidFill>
@@ -15771,7 +15901,7 @@
               </a:spcBef>
             </a:pPr>
             <a:r>
-              <a:rPr lang="en-GB" altLang="fr-FR" sz="1800" kern="0" smtClean="0">
+              <a:rPr lang="en-GB" altLang="fr-FR" sz="1800" kern="0">
                 <a:solidFill>
                   <a:schemeClr val="accent2"/>
                 </a:solidFill>
@@ -15790,7 +15920,7 @@
               </a:spcBef>
             </a:pPr>
             <a:r>
-              <a:rPr lang="en-GB" altLang="fr-FR" sz="1800" kern="0" smtClean="0">
+              <a:rPr lang="en-GB" altLang="fr-FR" sz="1800" kern="0">
                 <a:solidFill>
                   <a:schemeClr val="accent2"/>
                 </a:solidFill>
@@ -15809,7 +15939,7 @@
               </a:spcBef>
             </a:pPr>
             <a:r>
-              <a:rPr lang="en-GB" altLang="fr-FR" sz="1800" kern="0" smtClean="0">
+              <a:rPr lang="en-GB" altLang="fr-FR" sz="1800" kern="0">
                 <a:solidFill>
                   <a:schemeClr val="accent2"/>
                 </a:solidFill>
@@ -15828,7 +15958,7 @@
               </a:spcBef>
             </a:pPr>
             <a:r>
-              <a:rPr lang="en-GB" altLang="fr-FR" sz="1800" kern="0" smtClean="0">
+              <a:rPr lang="en-GB" altLang="fr-FR" sz="1800" kern="0">
                 <a:solidFill>
                   <a:schemeClr val="accent2"/>
                 </a:solidFill>
@@ -15847,7 +15977,7 @@
               </a:spcBef>
             </a:pPr>
             <a:r>
-              <a:rPr lang="en-GB" altLang="fr-FR" sz="1800" kern="0" smtClean="0">
+              <a:rPr lang="en-GB" altLang="fr-FR" sz="1800" kern="0">
                 <a:solidFill>
                   <a:schemeClr val="accent2"/>
                 </a:solidFill>
@@ -15866,7 +15996,7 @@
               </a:spcBef>
             </a:pPr>
             <a:r>
-              <a:rPr lang="en-GB" altLang="fr-FR" sz="1800" kern="0" smtClean="0">
+              <a:rPr lang="en-GB" altLang="fr-FR" sz="1800" kern="0">
                 <a:solidFill>
                   <a:schemeClr val="accent2"/>
                 </a:solidFill>
@@ -15885,7 +16015,7 @@
               </a:spcBef>
             </a:pPr>
             <a:r>
-              <a:rPr lang="en-GB" altLang="fr-FR" sz="1800" kern="0" smtClean="0">
+              <a:rPr lang="en-GB" altLang="fr-FR" sz="1800" kern="0">
                 <a:solidFill>
                   <a:schemeClr val="accent2"/>
                 </a:solidFill>
@@ -15904,7 +16034,7 @@
               </a:spcBef>
             </a:pPr>
             <a:r>
-              <a:rPr lang="en-GB" altLang="fr-FR" sz="1800" kern="0" smtClean="0">
+              <a:rPr lang="en-GB" altLang="fr-FR" sz="1800" kern="0">
                 <a:solidFill>
                   <a:schemeClr val="accent2"/>
                 </a:solidFill>
@@ -15923,7 +16053,7 @@
               </a:spcBef>
             </a:pPr>
             <a:r>
-              <a:rPr lang="en-GB" altLang="fr-FR" sz="1800" kern="0" smtClean="0">
+              <a:rPr lang="en-GB" altLang="fr-FR" sz="1800" kern="0">
                 <a:solidFill>
                   <a:schemeClr val="accent2"/>
                 </a:solidFill>
@@ -15942,7 +16072,7 @@
               </a:spcBef>
             </a:pPr>
             <a:r>
-              <a:rPr lang="en-GB" altLang="fr-FR" sz="1800" kern="0" smtClean="0">
+              <a:rPr lang="en-GB" altLang="fr-FR" sz="1800" kern="0">
                 <a:solidFill>
                   <a:schemeClr val="accent2"/>
                 </a:solidFill>
@@ -15961,7 +16091,7 @@
               </a:spcBef>
             </a:pPr>
             <a:r>
-              <a:rPr lang="en-GB" altLang="fr-FR" sz="1800" kern="0" smtClean="0">
+              <a:rPr lang="en-GB" altLang="fr-FR" sz="1800" kern="0">
                 <a:solidFill>
                   <a:schemeClr val="accent2"/>
                 </a:solidFill>
@@ -15980,7 +16110,7 @@
               </a:spcBef>
             </a:pPr>
             <a:r>
-              <a:rPr lang="en-GB" altLang="fr-FR" sz="1800" kern="0" smtClean="0">
+              <a:rPr lang="en-GB" altLang="fr-FR" sz="1800" kern="0">
                 <a:solidFill>
                   <a:schemeClr val="accent2"/>
                 </a:solidFill>
@@ -15999,7 +16129,7 @@
               </a:spcBef>
             </a:pPr>
             <a:r>
-              <a:rPr lang="en-GB" altLang="fr-FR" sz="1800" kern="0" smtClean="0">
+              <a:rPr lang="en-GB" altLang="fr-FR" sz="1800" kern="0">
                 <a:solidFill>
                   <a:schemeClr val="accent2"/>
                 </a:solidFill>
@@ -16014,7 +16144,7 @@
                 <a:spcPct val="90000"/>
               </a:lnSpc>
             </a:pPr>
-            <a:endParaRPr lang="en-GB" altLang="fr-FR" sz="1800" kern="0" dirty="0" smtClean="0">
+            <a:endParaRPr lang="en-GB" altLang="fr-FR" sz="1800" kern="0" dirty="0">
               <a:solidFill>
                 <a:schemeClr val="accent2"/>
               </a:solidFill>
@@ -16158,10 +16288,9 @@
           <a:lstStyle/>
           <a:p>
             <a:r>
-              <a:rPr lang="fr-FR" dirty="0" smtClean="0"/>
+              <a:rPr lang="fr-FR" dirty="0"/>
               <a:t>Filtre</a:t>
             </a:r>
-            <a:endParaRPr lang="fr-FR" dirty="0"/>
           </a:p>
         </p:txBody>
       </p:sp>
@@ -16217,11 +16346,11 @@
               <a:t> </a:t>
             </a:r>
             <a:r>
-              <a:rPr lang="en-GB" altLang="fr-FR" sz="2000" dirty="0" err="1" smtClean="0"/>
+              <a:rPr lang="en-GB" altLang="fr-FR" sz="2000" dirty="0" err="1"/>
               <a:t>une</a:t>
             </a:r>
             <a:r>
-              <a:rPr lang="en-GB" altLang="fr-FR" sz="2000" dirty="0" smtClean="0"/>
+              <a:rPr lang="en-GB" altLang="fr-FR" sz="2000" dirty="0"/>
               <a:t> reference de </a:t>
             </a:r>
             <a:r>
@@ -16325,13 +16454,13 @@
               <a:t> </a:t>
             </a:r>
             <a:r>
-              <a:rPr lang="en-GB" altLang="fr-FR" sz="2000" dirty="0" err="1" smtClean="0">
+              <a:rPr lang="en-GB" altLang="fr-FR" sz="2000" dirty="0" err="1">
                 <a:latin typeface="Courier New" panose="02070309020205020404" pitchFamily="49" charset="0"/>
               </a:rPr>
               <a:t>vraie</a:t>
             </a:r>
             <a:r>
-              <a:rPr lang="en-GB" altLang="fr-FR" sz="2000" dirty="0" smtClean="0">
+              <a:rPr lang="en-GB" altLang="fr-FR" sz="2000" dirty="0">
                 <a:latin typeface="Courier New" panose="02070309020205020404" pitchFamily="49" charset="0"/>
               </a:rPr>
               <a:t>.</a:t>
@@ -16347,7 +16476,7 @@
               </a:spcAft>
             </a:pPr>
             <a:r>
-              <a:rPr lang="en-GB" altLang="fr-FR" sz="2000" dirty="0" smtClean="0">
+              <a:rPr lang="en-GB" altLang="fr-FR" sz="2000" dirty="0">
                 <a:latin typeface="Courier New" panose="02070309020205020404" pitchFamily="49" charset="0"/>
               </a:rPr>
               <a:t>Par </a:t>
@@ -16414,25 +16543,7 @@
                 </a:solidFill>
                 <a:latin typeface="Courier New" panose="02070309020205020404" pitchFamily="49" charset="0"/>
               </a:rPr>
-              <a:t>&gt;&gt;&gt; </a:t>
-            </a:r>
-            <a:r>
-              <a:rPr lang="en-GB" altLang="fr-FR" dirty="0" err="1">
-                <a:solidFill>
-                  <a:schemeClr val="accent2"/>
-                </a:solidFill>
-                <a:latin typeface="Courier New" panose="02070309020205020404" pitchFamily="49" charset="0"/>
-              </a:rPr>
-              <a:t>def</a:t>
-            </a:r>
-            <a:r>
-              <a:rPr lang="en-GB" altLang="fr-FR" dirty="0">
-                <a:solidFill>
-                  <a:schemeClr val="accent2"/>
-                </a:solidFill>
-                <a:latin typeface="Courier New" panose="02070309020205020404" pitchFamily="49" charset="0"/>
-              </a:rPr>
-              <a:t> f(x): returnx%2 != 0 and x%3 != 0</a:t>
+              <a:t>&gt;&gt;&gt; def f(x): return x%2 != 0 and x%3 != 0</a:t>
             </a:r>
           </a:p>
           <a:p>
@@ -16495,13 +16606,6 @@
   <p:clrMapOvr>
     <a:masterClrMapping/>
   </p:clrMapOvr>
-  <p:timing>
-    <p:tnLst>
-      <p:par>
-        <p:cTn id="1" dur="indefinite" restart="never" nodeType="tmRoot"/>
-      </p:par>
-    </p:tnLst>
-  </p:timing>
 </p:sld>
 </file>
 

--- a/PPT/Python07-ComplexTypes.pptx
+++ b/PPT/Python07-ComplexTypes.pptx
@@ -10370,7 +10370,7 @@
             <a:pPr lvl="1"/>
             <a:r>
               <a:rPr lang="en-GB" altLang="fr-FR" dirty="0"/>
-              <a:t>&gt;&gt;&gt;tuple=(0,1.4,’world’)</a:t>
+              <a:t>tuple=(0,1.4,’world’)</a:t>
             </a:r>
           </a:p>
           <a:p>
@@ -10422,15 +10422,7 @@
           <a:p>
             <a:r>
               <a:rPr lang="en-GB" altLang="fr-FR" dirty="0"/>
-              <a:t>t</a:t>
-            </a:r>
-            <a:r>
-              <a:rPr lang="en-GB" altLang="fr-FR"/>
-              <a:t>uple</a:t>
-            </a:r>
-            <a:r>
-              <a:rPr lang="en-GB" altLang="fr-FR" dirty="0"/>
-              <a:t>()</a:t>
+              <a:t>tuple()</a:t>
             </a:r>
           </a:p>
           <a:p>

--- a/PPT/Python07-ComplexTypes.pptx
+++ b/PPT/Python07-ComplexTypes.pptx
@@ -12744,8 +12744,8 @@
           <a:lstStyle/>
           <a:p>
             <a:r>
-              <a:rPr lang="fr-FR" dirty="0" err="1"/>
-              <a:t>Iterator</a:t>
+              <a:rPr lang="fr-FR"/>
+              <a:t>Iterable</a:t>
             </a:r>
             <a:endParaRPr lang="fr-FR" dirty="0"/>
           </a:p>
